--- a/Thinh.pptx
+++ b/Thinh.pptx
@@ -3268,7 +3268,7 @@
               <a:buSzPts val="1400"/>
               <a:buNone/>
             </a:pPr>
-            <a:endParaRPr sz="2400">
+            <a:endParaRPr sz="2400" dirty="0">
               <a:solidFill>
                 <a:srgbClr val="C00000"/>
               </a:solidFill>
@@ -12873,7 +12873,7 @@
           <a:p>
             <a:r>
               <a:rPr lang="en-US" dirty="0"/>
-              <a:t>Text-to-SQL: automating text-to-SQL is challenging as SQL statements must handle statistical analysis while maintaining overall semantics of user intents.</a:t>
+              <a:t>Text-to-SQL: automating text-to-SQL is challenging: SQL statements must handle statistical analysis while maintaining overall semantics of user intents.</a:t>
             </a:r>
           </a:p>
           <a:p>
@@ -13059,22 +13059,12 @@
             </a:r>
           </a:p>
           <a:p>
-            <a:endParaRPr lang="en-US" dirty="0">
-              <a:sym typeface="Wingdings" pitchFamily="2" charset="2"/>
-            </a:endParaRPr>
-          </a:p>
-          <a:p>
             <a:r>
               <a:rPr lang="en-US" dirty="0">
                 <a:sym typeface="Wingdings" pitchFamily="2" charset="2"/>
               </a:rPr>
               <a:t>A framework is introduced to query external benchmark datasets, calculate proportions for relevant attributes, and summarize query results as text prompts</a:t>
             </a:r>
-          </a:p>
-          <a:p>
-            <a:endParaRPr lang="en-US" dirty="0">
-              <a:sym typeface="Wingdings" pitchFamily="2" charset="2"/>
-            </a:endParaRPr>
           </a:p>
           <a:p>
             <a:r>
@@ -14406,7 +14396,7 @@
         <p:spPr>
           <a:xfrm>
             <a:off x="224465" y="680601"/>
-            <a:ext cx="5871536" cy="4185731"/>
+            <a:ext cx="5871536" cy="5109061"/>
           </a:xfrm>
           <a:prstGeom prst="rect">
             <a:avLst/>
@@ -14450,13 +14440,22 @@
           <a:p>
             <a:r>
               <a:rPr lang="en-US" sz="2000" b="1" dirty="0"/>
-              <a:t>Goal: How to make top-k results from LLMs proportionally diverse by using external </a:t>
+              <a:t>Goal. How to make top-k results from LLMs proportionally diverse by using external </a:t>
             </a:r>
           </a:p>
           <a:p>
             <a:r>
               <a:rPr lang="en-US" sz="2000" b="1" dirty="0"/>
               <a:t>data sources (databases)</a:t>
+            </a:r>
+          </a:p>
+          <a:p>
+            <a:endParaRPr lang="en-US" sz="2000" b="1" dirty="0"/>
+          </a:p>
+          <a:p>
+            <a:r>
+              <a:rPr lang="en-US" sz="2000" b="1" dirty="0"/>
+              <a:t>[Generalization]. Use statistics from external data sources and improve LLM results </a:t>
             </a:r>
           </a:p>
           <a:p>
@@ -14528,8 +14527,8 @@
         </p:blipFill>
         <p:spPr>
           <a:xfrm>
-            <a:off x="6183388" y="680601"/>
-            <a:ext cx="5852728" cy="4966575"/>
+            <a:off x="5846618" y="680601"/>
+            <a:ext cx="6189498" cy="4966575"/>
           </a:xfrm>
           <a:prstGeom prst="rect">
             <a:avLst/>
@@ -14551,6 +14550,85 @@
   <p:clrMapOvr>
     <a:masterClrMapping/>
   </p:clrMapOvr>
+  <p:timing>
+    <p:tnLst>
+      <p:par>
+        <p:cTn id="1" dur="indefinite" restart="never" nodeType="tmRoot">
+          <p:childTnLst>
+            <p:seq concurrent="1" nextAc="seek">
+              <p:cTn id="2" dur="indefinite" nodeType="mainSeq">
+                <p:childTnLst>
+                  <p:par>
+                    <p:cTn id="3" fill="hold">
+                      <p:stCondLst>
+                        <p:cond delay="indefinite"/>
+                      </p:stCondLst>
+                      <p:childTnLst>
+                        <p:par>
+                          <p:cTn id="4" fill="hold">
+                            <p:stCondLst>
+                              <p:cond delay="0"/>
+                            </p:stCondLst>
+                            <p:childTnLst>
+                              <p:par>
+                                <p:cTn id="5" presetID="1" presetClass="entr" presetSubtype="0" fill="hold" nodeType="clickEffect">
+                                  <p:stCondLst>
+                                    <p:cond delay="0"/>
+                                  </p:stCondLst>
+                                  <p:childTnLst>
+                                    <p:set>
+                                      <p:cBhvr>
+                                        <p:cTn id="6" dur="1" fill="hold">
+                                          <p:stCondLst>
+                                            <p:cond delay="0"/>
+                                          </p:stCondLst>
+                                        </p:cTn>
+                                        <p:tgtEl>
+                                          <p:spTgt spid="77">
+                                            <p:txEl>
+                                              <p:pRg st="7" end="7"/>
+                                            </p:txEl>
+                                          </p:spTgt>
+                                        </p:tgtEl>
+                                        <p:attrNameLst>
+                                          <p:attrName>style.visibility</p:attrName>
+                                        </p:attrNameLst>
+                                      </p:cBhvr>
+                                      <p:to>
+                                        <p:strVal val="visible"/>
+                                      </p:to>
+                                    </p:set>
+                                  </p:childTnLst>
+                                </p:cTn>
+                              </p:par>
+                            </p:childTnLst>
+                          </p:cTn>
+                        </p:par>
+                      </p:childTnLst>
+                    </p:cTn>
+                  </p:par>
+                </p:childTnLst>
+              </p:cTn>
+              <p:prevCondLst>
+                <p:cond evt="onPrev" delay="0">
+                  <p:tgtEl>
+                    <p:sldTgt/>
+                  </p:tgtEl>
+                </p:cond>
+              </p:prevCondLst>
+              <p:nextCondLst>
+                <p:cond evt="onNext" delay="0">
+                  <p:tgtEl>
+                    <p:sldTgt/>
+                  </p:tgtEl>
+                </p:cond>
+              </p:nextCondLst>
+            </p:seq>
+          </p:childTnLst>
+        </p:cTn>
+      </p:par>
+    </p:tnLst>
+  </p:timing>
 </p:sld>
 </file>
 
@@ -14767,8 +14845,8 @@
           </a:p>
         </p:txBody>
       </p:sp>
-      <mc:AlternateContent xmlns:mc="http://schemas.openxmlformats.org/markup-compatibility/2006" xmlns:a14="http://schemas.microsoft.com/office/drawing/2010/main">
-        <mc:Choice Requires="a14">
+      <mc:AlternateContent xmlns:mc="http://schemas.openxmlformats.org/markup-compatibility/2006">
+        <mc:Choice xmlns:a14="http://schemas.microsoft.com/office/drawing/2010/main" Requires="a14">
           <p:sp>
             <p:nvSpPr>
               <p:cNvPr id="3" name="Google Shape;77;p6">
@@ -15003,7 +15081,40 @@
                 </a14:m>
                 <a:r>
                   <a:rPr lang="en-US" sz="1600" i="1" dirty="0"/>
-                  <a:t> is a top-k results, where </a:t>
+                  <a:t> in top-k results is </a:t>
+                </a:r>
+                <a14:m>
+                  <m:oMath xmlns:m="http://schemas.openxmlformats.org/officeDocument/2006/math">
+                    <m:sSub>
+                      <m:sSubPr>
+                        <m:ctrlPr>
+                          <a:rPr lang="en-US" sz="1600" i="1">
+                            <a:latin typeface="Cambria Math" panose="02040503050406030204" pitchFamily="18" charset="0"/>
+                          </a:rPr>
+                        </m:ctrlPr>
+                      </m:sSubPr>
+                      <m:e>
+                        <m:r>
+                          <a:rPr lang="en-US" sz="1600" i="1">
+                            <a:latin typeface="Cambria Math" panose="02040503050406030204" pitchFamily="18" charset="0"/>
+                          </a:rPr>
+                          <m:t>𝑎</m:t>
+                        </m:r>
+                      </m:e>
+                      <m:sub>
+                        <m:r>
+                          <a:rPr lang="en-US" sz="1600" i="1">
+                            <a:latin typeface="Cambria Math" panose="02040503050406030204" pitchFamily="18" charset="0"/>
+                          </a:rPr>
+                          <m:t>𝑖</m:t>
+                        </m:r>
+                      </m:sub>
+                    </m:sSub>
+                  </m:oMath>
+                </a14:m>
+                <a:r>
+                  <a:rPr lang="en-US" sz="1600" i="1" dirty="0"/>
+                  <a:t>, where </a:t>
                 </a:r>
                 <a14:m>
                   <m:oMath xmlns:m="http://schemas.openxmlformats.org/officeDocument/2006/math">
@@ -15314,7 +15425,7 @@
             </p:txBody>
           </p:sp>
         </mc:Choice>
-        <mc:Fallback xmlns="">
+        <mc:Fallback>
           <p:sp>
             <p:nvSpPr>
               <p:cNvPr id="3" name="Google Shape;77;p6">
@@ -27790,7 +27901,7 @@
             </a:pPr>
             <a:r>
               <a:rPr lang="en-US" sz="2800" b="1" dirty="0"/>
-              <a:t>Proposed Framework</a:t>
+              <a:t>          Proposed Framework</a:t>
             </a:r>
             <a:endParaRPr sz="2800" dirty="0"/>
           </a:p>
@@ -29632,7 +29743,7 @@
         </p:nvSpPr>
         <p:spPr>
           <a:xfrm>
-            <a:off x="460725" y="2813483"/>
+            <a:off x="431253" y="3026254"/>
             <a:ext cx="10878207" cy="2646848"/>
           </a:xfrm>
           <a:prstGeom prst="rect">
@@ -29650,8 +29761,8 @@
           <a:lstStyle/>
           <a:p>
             <a:pPr marL="342900" indent="-342900">
-              <a:buFont typeface="Arial" panose="020B0604020202020204" pitchFamily="34" charset="0"/>
-              <a:buChar char="•"/>
+              <a:buFont typeface="Wingdings" pitchFamily="2" charset="2"/>
+              <a:buChar char="Ø"/>
             </a:pPr>
             <a:r>
               <a:rPr lang="en-US" sz="2000" dirty="0"/>
@@ -29660,15 +29771,15 @@
           </a:p>
           <a:p>
             <a:pPr marL="342900" indent="-342900">
-              <a:buFont typeface="Arial" panose="020B0604020202020204" pitchFamily="34" charset="0"/>
-              <a:buChar char="•"/>
+              <a:buFont typeface="Wingdings" pitchFamily="2" charset="2"/>
+              <a:buChar char="Ø"/>
             </a:pPr>
             <a:endParaRPr lang="en-US" sz="2000" dirty="0"/>
           </a:p>
           <a:p>
             <a:pPr marL="342900" indent="-342900">
-              <a:buFont typeface="Arial" panose="020B0604020202020204" pitchFamily="34" charset="0"/>
-              <a:buChar char="•"/>
+              <a:buFont typeface="Wingdings" pitchFamily="2" charset="2"/>
+              <a:buChar char="Ø"/>
             </a:pPr>
             <a:r>
               <a:rPr lang="en-US" sz="2000" dirty="0"/>
@@ -29685,8 +29796,8 @@
           </a:p>
           <a:p>
             <a:pPr marL="342900" indent="-342900">
-              <a:buFont typeface="Arial" panose="020B0604020202020204" pitchFamily="34" charset="0"/>
-              <a:buChar char="•"/>
+              <a:buFont typeface="Wingdings" pitchFamily="2" charset="2"/>
+              <a:buChar char="Ø"/>
             </a:pPr>
             <a:endParaRPr lang="en-US" sz="2000" dirty="0">
               <a:sym typeface="Wingdings" pitchFamily="2" charset="2"/>
@@ -29694,8 +29805,8 @@
           </a:p>
           <a:p>
             <a:pPr marL="342900" indent="-342900">
-              <a:buFont typeface="Arial" panose="020B0604020202020204" pitchFamily="34" charset="0"/>
-              <a:buChar char="•"/>
+              <a:buFont typeface="Wingdings" pitchFamily="2" charset="2"/>
+              <a:buChar char="Ø"/>
             </a:pPr>
             <a:r>
               <a:rPr lang="en-US" sz="2000" dirty="0">
@@ -29706,8 +29817,8 @@
           </a:p>
           <a:p>
             <a:pPr marL="342900" indent="-342900">
-              <a:buFont typeface="Arial" panose="020B0604020202020204" pitchFamily="34" charset="0"/>
-              <a:buChar char="•"/>
+              <a:buFont typeface="Wingdings" pitchFamily="2" charset="2"/>
+              <a:buChar char="Ø"/>
             </a:pPr>
             <a:endParaRPr lang="en-US" sz="2000" dirty="0">
               <a:sym typeface="Wingdings" pitchFamily="2" charset="2"/>
@@ -29715,8 +29826,8 @@
           </a:p>
           <a:p>
             <a:pPr marL="342900" indent="-342900">
-              <a:buFont typeface="Arial" panose="020B0604020202020204" pitchFamily="34" charset="0"/>
-              <a:buChar char="•"/>
+              <a:buFont typeface="Wingdings" pitchFamily="2" charset="2"/>
+              <a:buChar char="Ø"/>
             </a:pPr>
             <a:r>
               <a:rPr lang="en-US" sz="2000" dirty="0">
@@ -29779,7 +29890,7 @@
         <p:spPr>
           <a:xfrm>
             <a:off x="431253" y="779485"/>
-            <a:ext cx="11329493" cy="1323439"/>
+            <a:ext cx="11329493" cy="2246769"/>
           </a:xfrm>
           <a:prstGeom prst="rect">
             <a:avLst/>
@@ -29793,30 +29904,51 @@
           <a:lstStyle/>
           <a:p>
             <a:pPr marL="342900" indent="-342900">
-              <a:buFont typeface="Arial" panose="020B0604020202020204" pitchFamily="34" charset="0"/>
-              <a:buChar char="•"/>
+              <a:buFont typeface="Wingdings" pitchFamily="2" charset="2"/>
+              <a:buChar char="Ø"/>
             </a:pPr>
             <a:r>
               <a:rPr lang="en-US" sz="2000" dirty="0"/>
-              <a:t>A proof-of-concept case study is performed as follows:</a:t>
+              <a:t>A proof-of-concept case study is performed as follows.</a:t>
             </a:r>
           </a:p>
           <a:p>
+            <a:endParaRPr lang="en-US" sz="2000" dirty="0"/>
+          </a:p>
+          <a:p>
+            <a:pPr marL="342900" indent="-342900">
+              <a:buFont typeface="Wingdings" pitchFamily="2" charset="2"/>
+              <a:buChar char="§"/>
+            </a:pPr>
             <a:r>
               <a:rPr lang="en-US" sz="2000" dirty="0"/>
-              <a:t>         - First, translate user intents to SQL statements;</a:t>
+              <a:t>         Translate user intents to SQL statements</a:t>
             </a:r>
           </a:p>
           <a:p>
+            <a:endParaRPr lang="en-US" sz="2000" dirty="0"/>
+          </a:p>
+          <a:p>
+            <a:pPr marL="342900" indent="-342900">
+              <a:buFont typeface="Wingdings" pitchFamily="2" charset="2"/>
+              <a:buChar char="§"/>
+            </a:pPr>
             <a:r>
               <a:rPr lang="en-US" sz="2000" dirty="0"/>
-              <a:t>         - Calculate the proportional statistics from the database;</a:t>
+              <a:t>         Calculate the proportional statistics from the database</a:t>
             </a:r>
           </a:p>
           <a:p>
+            <a:endParaRPr lang="en-US" sz="2000" dirty="0"/>
+          </a:p>
+          <a:p>
+            <a:pPr marL="342900" indent="-342900">
+              <a:buFont typeface="Wingdings" pitchFamily="2" charset="2"/>
+              <a:buChar char="§"/>
+            </a:pPr>
             <a:r>
               <a:rPr lang="en-US" sz="2000" dirty="0"/>
-              <a:t>         - Prompt LLM model with the proportionality information to produce diversified answers</a:t>
+              <a:t>         Prompt LLM model with the proportionality information to produce diversified answers</a:t>
             </a:r>
           </a:p>
         </p:txBody>
@@ -29831,6 +29963,320 @@
   <p:clrMapOvr>
     <a:masterClrMapping/>
   </p:clrMapOvr>
+  <p:timing>
+    <p:tnLst>
+      <p:par>
+        <p:cTn id="1" dur="indefinite" restart="never" nodeType="tmRoot">
+          <p:childTnLst>
+            <p:seq concurrent="1" nextAc="seek">
+              <p:cTn id="2" dur="indefinite" nodeType="mainSeq">
+                <p:childTnLst>
+                  <p:par>
+                    <p:cTn id="3" fill="hold">
+                      <p:stCondLst>
+                        <p:cond delay="indefinite"/>
+                      </p:stCondLst>
+                      <p:childTnLst>
+                        <p:par>
+                          <p:cTn id="4" fill="hold">
+                            <p:stCondLst>
+                              <p:cond delay="0"/>
+                            </p:stCondLst>
+                            <p:childTnLst>
+                              <p:par>
+                                <p:cTn id="5" presetID="1" presetClass="entr" presetSubtype="0" fill="hold" nodeType="clickEffect">
+                                  <p:stCondLst>
+                                    <p:cond delay="0"/>
+                                  </p:stCondLst>
+                                  <p:childTnLst>
+                                    <p:set>
+                                      <p:cBhvr>
+                                        <p:cTn id="6" dur="1" fill="hold">
+                                          <p:stCondLst>
+                                            <p:cond delay="0"/>
+                                          </p:stCondLst>
+                                        </p:cTn>
+                                        <p:tgtEl>
+                                          <p:spTgt spid="8">
+                                            <p:txEl>
+                                              <p:pRg st="0" end="0"/>
+                                            </p:txEl>
+                                          </p:spTgt>
+                                        </p:tgtEl>
+                                        <p:attrNameLst>
+                                          <p:attrName>style.visibility</p:attrName>
+                                        </p:attrNameLst>
+                                      </p:cBhvr>
+                                      <p:to>
+                                        <p:strVal val="visible"/>
+                                      </p:to>
+                                    </p:set>
+                                  </p:childTnLst>
+                                </p:cTn>
+                              </p:par>
+                              <p:par>
+                                <p:cTn id="7" presetID="1" presetClass="entr" presetSubtype="0" fill="hold" nodeType="withEffect">
+                                  <p:stCondLst>
+                                    <p:cond delay="0"/>
+                                  </p:stCondLst>
+                                  <p:childTnLst>
+                                    <p:set>
+                                      <p:cBhvr>
+                                        <p:cTn id="8" dur="1" fill="hold">
+                                          <p:stCondLst>
+                                            <p:cond delay="0"/>
+                                          </p:stCondLst>
+                                        </p:cTn>
+                                        <p:tgtEl>
+                                          <p:spTgt spid="8">
+                                            <p:txEl>
+                                              <p:pRg st="2" end="2"/>
+                                            </p:txEl>
+                                          </p:spTgt>
+                                        </p:tgtEl>
+                                        <p:attrNameLst>
+                                          <p:attrName>style.visibility</p:attrName>
+                                        </p:attrNameLst>
+                                      </p:cBhvr>
+                                      <p:to>
+                                        <p:strVal val="visible"/>
+                                      </p:to>
+                                    </p:set>
+                                  </p:childTnLst>
+                                </p:cTn>
+                              </p:par>
+                              <p:par>
+                                <p:cTn id="9" presetID="1" presetClass="entr" presetSubtype="0" fill="hold" nodeType="withEffect">
+                                  <p:stCondLst>
+                                    <p:cond delay="0"/>
+                                  </p:stCondLst>
+                                  <p:childTnLst>
+                                    <p:set>
+                                      <p:cBhvr>
+                                        <p:cTn id="10" dur="1" fill="hold">
+                                          <p:stCondLst>
+                                            <p:cond delay="0"/>
+                                          </p:stCondLst>
+                                        </p:cTn>
+                                        <p:tgtEl>
+                                          <p:spTgt spid="8">
+                                            <p:txEl>
+                                              <p:pRg st="4" end="4"/>
+                                            </p:txEl>
+                                          </p:spTgt>
+                                        </p:tgtEl>
+                                        <p:attrNameLst>
+                                          <p:attrName>style.visibility</p:attrName>
+                                        </p:attrNameLst>
+                                      </p:cBhvr>
+                                      <p:to>
+                                        <p:strVal val="visible"/>
+                                      </p:to>
+                                    </p:set>
+                                  </p:childTnLst>
+                                </p:cTn>
+                              </p:par>
+                              <p:par>
+                                <p:cTn id="11" presetID="1" presetClass="entr" presetSubtype="0" fill="hold" nodeType="withEffect">
+                                  <p:stCondLst>
+                                    <p:cond delay="0"/>
+                                  </p:stCondLst>
+                                  <p:childTnLst>
+                                    <p:set>
+                                      <p:cBhvr>
+                                        <p:cTn id="12" dur="1" fill="hold">
+                                          <p:stCondLst>
+                                            <p:cond delay="0"/>
+                                          </p:stCondLst>
+                                        </p:cTn>
+                                        <p:tgtEl>
+                                          <p:spTgt spid="8">
+                                            <p:txEl>
+                                              <p:pRg st="6" end="6"/>
+                                            </p:txEl>
+                                          </p:spTgt>
+                                        </p:tgtEl>
+                                        <p:attrNameLst>
+                                          <p:attrName>style.visibility</p:attrName>
+                                        </p:attrNameLst>
+                                      </p:cBhvr>
+                                      <p:to>
+                                        <p:strVal val="visible"/>
+                                      </p:to>
+                                    </p:set>
+                                  </p:childTnLst>
+                                </p:cTn>
+                              </p:par>
+                            </p:childTnLst>
+                          </p:cTn>
+                        </p:par>
+                      </p:childTnLst>
+                    </p:cTn>
+                  </p:par>
+                  <p:par>
+                    <p:cTn id="13" fill="hold">
+                      <p:stCondLst>
+                        <p:cond delay="indefinite"/>
+                      </p:stCondLst>
+                      <p:childTnLst>
+                        <p:par>
+                          <p:cTn id="14" fill="hold">
+                            <p:stCondLst>
+                              <p:cond delay="0"/>
+                            </p:stCondLst>
+                            <p:childTnLst>
+                              <p:par>
+                                <p:cTn id="15" presetID="1" presetClass="entr" presetSubtype="0" fill="hold" nodeType="clickEffect">
+                                  <p:stCondLst>
+                                    <p:cond delay="0"/>
+                                  </p:stCondLst>
+                                  <p:childTnLst>
+                                    <p:set>
+                                      <p:cBhvr>
+                                        <p:cTn id="16" dur="1" fill="hold">
+                                          <p:stCondLst>
+                                            <p:cond delay="0"/>
+                                          </p:stCondLst>
+                                        </p:cTn>
+                                        <p:tgtEl>
+                                          <p:spTgt spid="77">
+                                            <p:txEl>
+                                              <p:pRg st="0" end="0"/>
+                                            </p:txEl>
+                                          </p:spTgt>
+                                        </p:tgtEl>
+                                        <p:attrNameLst>
+                                          <p:attrName>style.visibility</p:attrName>
+                                        </p:attrNameLst>
+                                      </p:cBhvr>
+                                      <p:to>
+                                        <p:strVal val="visible"/>
+                                      </p:to>
+                                    </p:set>
+                                  </p:childTnLst>
+                                </p:cTn>
+                              </p:par>
+                              <p:par>
+                                <p:cTn id="17" presetID="1" presetClass="entr" presetSubtype="0" fill="hold" nodeType="withEffect">
+                                  <p:stCondLst>
+                                    <p:cond delay="0"/>
+                                  </p:stCondLst>
+                                  <p:childTnLst>
+                                    <p:set>
+                                      <p:cBhvr>
+                                        <p:cTn id="18" dur="1" fill="hold">
+                                          <p:stCondLst>
+                                            <p:cond delay="0"/>
+                                          </p:stCondLst>
+                                        </p:cTn>
+                                        <p:tgtEl>
+                                          <p:spTgt spid="77">
+                                            <p:txEl>
+                                              <p:pRg st="2" end="2"/>
+                                            </p:txEl>
+                                          </p:spTgt>
+                                        </p:tgtEl>
+                                        <p:attrNameLst>
+                                          <p:attrName>style.visibility</p:attrName>
+                                        </p:attrNameLst>
+                                      </p:cBhvr>
+                                      <p:to>
+                                        <p:strVal val="visible"/>
+                                      </p:to>
+                                    </p:set>
+                                  </p:childTnLst>
+                                </p:cTn>
+                              </p:par>
+                              <p:par>
+                                <p:cTn id="19" presetID="1" presetClass="entr" presetSubtype="0" fill="hold" nodeType="withEffect">
+                                  <p:stCondLst>
+                                    <p:cond delay="0"/>
+                                  </p:stCondLst>
+                                  <p:childTnLst>
+                                    <p:set>
+                                      <p:cBhvr>
+                                        <p:cTn id="20" dur="1" fill="hold">
+                                          <p:stCondLst>
+                                            <p:cond delay="0"/>
+                                          </p:stCondLst>
+                                        </p:cTn>
+                                        <p:tgtEl>
+                                          <p:spTgt spid="77">
+                                            <p:txEl>
+                                              <p:pRg st="4" end="4"/>
+                                            </p:txEl>
+                                          </p:spTgt>
+                                        </p:tgtEl>
+                                        <p:attrNameLst>
+                                          <p:attrName>style.visibility</p:attrName>
+                                        </p:attrNameLst>
+                                      </p:cBhvr>
+                                      <p:to>
+                                        <p:strVal val="visible"/>
+                                      </p:to>
+                                    </p:set>
+                                  </p:childTnLst>
+                                </p:cTn>
+                              </p:par>
+                              <p:par>
+                                <p:cTn id="21" presetID="1" presetClass="entr" presetSubtype="0" fill="hold" nodeType="withEffect">
+                                  <p:stCondLst>
+                                    <p:cond delay="0"/>
+                                  </p:stCondLst>
+                                  <p:childTnLst>
+                                    <p:set>
+                                      <p:cBhvr>
+                                        <p:cTn id="22" dur="1" fill="hold">
+                                          <p:stCondLst>
+                                            <p:cond delay="0"/>
+                                          </p:stCondLst>
+                                        </p:cTn>
+                                        <p:tgtEl>
+                                          <p:spTgt spid="77">
+                                            <p:txEl>
+                                              <p:pRg st="6" end="6"/>
+                                            </p:txEl>
+                                          </p:spTgt>
+                                        </p:tgtEl>
+                                        <p:attrNameLst>
+                                          <p:attrName>style.visibility</p:attrName>
+                                        </p:attrNameLst>
+                                      </p:cBhvr>
+                                      <p:to>
+                                        <p:strVal val="visible"/>
+                                      </p:to>
+                                    </p:set>
+                                  </p:childTnLst>
+                                </p:cTn>
+                              </p:par>
+                            </p:childTnLst>
+                          </p:cTn>
+                        </p:par>
+                      </p:childTnLst>
+                    </p:cTn>
+                  </p:par>
+                </p:childTnLst>
+              </p:cTn>
+              <p:prevCondLst>
+                <p:cond evt="onPrev" delay="0">
+                  <p:tgtEl>
+                    <p:sldTgt/>
+                  </p:tgtEl>
+                </p:cond>
+              </p:prevCondLst>
+              <p:nextCondLst>
+                <p:cond evt="onNext" delay="0">
+                  <p:tgtEl>
+                    <p:sldTgt/>
+                  </p:tgtEl>
+                </p:cond>
+              </p:nextCondLst>
+            </p:seq>
+          </p:childTnLst>
+        </p:cTn>
+      </p:par>
+    </p:tnLst>
+  </p:timing>
 </p:sld>
 </file>
 

--- a/Thinh.pptx
+++ b/Thinh.pptx
@@ -5,7 +5,7 @@
     <p:sldMasterId id="2147483648" r:id="rId1"/>
   </p:sldMasterIdLst>
   <p:notesMasterIdLst>
-    <p:notesMasterId r:id="rId14"/>
+    <p:notesMasterId r:id="rId15"/>
   </p:notesMasterIdLst>
   <p:sldIdLst>
     <p:sldId id="256" r:id="rId2"/>
@@ -13,27 +13,28 @@
     <p:sldId id="270" r:id="rId4"/>
     <p:sldId id="259" r:id="rId5"/>
     <p:sldId id="260" r:id="rId6"/>
-    <p:sldId id="271" r:id="rId7"/>
-    <p:sldId id="269" r:id="rId8"/>
-    <p:sldId id="263" r:id="rId9"/>
-    <p:sldId id="264" r:id="rId10"/>
-    <p:sldId id="265" r:id="rId11"/>
-    <p:sldId id="266" r:id="rId12"/>
-    <p:sldId id="273" r:id="rId13"/>
+    <p:sldId id="274" r:id="rId7"/>
+    <p:sldId id="271" r:id="rId8"/>
+    <p:sldId id="269" r:id="rId9"/>
+    <p:sldId id="263" r:id="rId10"/>
+    <p:sldId id="264" r:id="rId11"/>
+    <p:sldId id="265" r:id="rId12"/>
+    <p:sldId id="266" r:id="rId13"/>
+    <p:sldId id="273" r:id="rId14"/>
   </p:sldIdLst>
   <p:sldSz cx="12192000" cy="6858000"/>
   <p:notesSz cx="6858000" cy="9144000"/>
   <p:embeddedFontLst>
     <p:embeddedFont>
       <p:font typeface="Cambria Math" panose="02040503050406030204" pitchFamily="18" charset="0"/>
-      <p:regular r:id="rId15"/>
+      <p:regular r:id="rId16"/>
     </p:embeddedFont>
     <p:embeddedFont>
       <p:font typeface="Consolas" panose="020B0609020204030204" pitchFamily="49" charset="0"/>
-      <p:regular r:id="rId16"/>
-      <p:bold r:id="rId17"/>
-      <p:italic r:id="rId18"/>
-      <p:boldItalic r:id="rId19"/>
+      <p:regular r:id="rId17"/>
+      <p:bold r:id="rId18"/>
+      <p:italic r:id="rId19"/>
+      <p:boldItalic r:id="rId20"/>
     </p:embeddedFont>
   </p:embeddedFontLst>
   <p:defaultTextStyle>
@@ -1877,6 +1878,197 @@
 </file>
 
 <file path=ppt/notesSlides/notesSlide10.xml><?xml version="1.0" encoding="utf-8"?>
+<p:notes xmlns:a="http://schemas.openxmlformats.org/drawingml/2006/main" xmlns:r="http://schemas.openxmlformats.org/officeDocument/2006/relationships" xmlns:p="http://schemas.openxmlformats.org/presentationml/2006/main" showMasterSp="0" showMasterPhAnim="0">
+  <p:cSld>
+    <p:spTree>
+      <p:nvGrpSpPr>
+        <p:cNvPr id="1" name="Shape 68"/>
+        <p:cNvGrpSpPr/>
+        <p:nvPr/>
+      </p:nvGrpSpPr>
+      <p:grpSpPr>
+        <a:xfrm>
+          <a:off x="0" y="0"/>
+          <a:ext cx="0" cy="0"/>
+          <a:chOff x="0" y="0"/>
+          <a:chExt cx="0" cy="0"/>
+        </a:xfrm>
+      </p:grpSpPr>
+      <p:sp>
+        <p:nvSpPr>
+          <p:cNvPr id="69" name="Google Shape;69;p6:notes"/>
+          <p:cNvSpPr>
+            <a:spLocks noGrp="1" noRot="1" noChangeAspect="1"/>
+          </p:cNvSpPr>
+          <p:nvPr>
+            <p:ph type="sldImg" idx="2"/>
+          </p:nvPr>
+        </p:nvSpPr>
+        <p:spPr>
+          <a:xfrm>
+            <a:off x="381000" y="685800"/>
+            <a:ext cx="6096000" cy="3429000"/>
+          </a:xfrm>
+          <a:custGeom>
+            <a:avLst/>
+            <a:gdLst/>
+            <a:ahLst/>
+            <a:cxnLst/>
+            <a:rect l="l" t="t" r="r" b="b"/>
+            <a:pathLst>
+              <a:path w="120000" h="120000" extrusionOk="0">
+                <a:moveTo>
+                  <a:pt x="0" y="0"/>
+                </a:moveTo>
+                <a:lnTo>
+                  <a:pt x="120000" y="0"/>
+                </a:lnTo>
+                <a:lnTo>
+                  <a:pt x="120000" y="120000"/>
+                </a:lnTo>
+                <a:lnTo>
+                  <a:pt x="0" y="120000"/>
+                </a:lnTo>
+                <a:close/>
+              </a:path>
+            </a:pathLst>
+          </a:custGeom>
+          <a:noFill/>
+          <a:ln>
+            <a:noFill/>
+          </a:ln>
+        </p:spPr>
+      </p:sp>
+      <p:sp>
+        <p:nvSpPr>
+          <p:cNvPr id="70" name="Google Shape;70;p6:notes"/>
+          <p:cNvSpPr txBox="1">
+            <a:spLocks noGrp="1"/>
+          </p:cNvSpPr>
+          <p:nvPr>
+            <p:ph type="body" idx="1"/>
+          </p:nvPr>
+        </p:nvSpPr>
+        <p:spPr>
+          <a:xfrm>
+            <a:off x="914400" y="4343400"/>
+            <a:ext cx="5029200" cy="4114800"/>
+          </a:xfrm>
+          <a:prstGeom prst="rect">
+            <a:avLst/>
+          </a:prstGeom>
+          <a:noFill/>
+          <a:ln>
+            <a:noFill/>
+          </a:ln>
+        </p:spPr>
+        <p:txBody>
+          <a:bodyPr spcFirstLastPara="1" wrap="square" lIns="91425" tIns="45700" rIns="91425" bIns="45700" anchor="t" anchorCtr="0">
+            <a:noAutofit/>
+          </a:bodyPr>
+          <a:lstStyle/>
+          <a:p>
+            <a:pPr marL="0" lvl="0" indent="0" algn="l" rtl="0">
+              <a:lnSpc>
+                <a:spcPct val="100000"/>
+              </a:lnSpc>
+              <a:spcBef>
+                <a:spcPts val="0"/>
+              </a:spcBef>
+              <a:spcAft>
+                <a:spcPts val="0"/>
+              </a:spcAft>
+              <a:buSzPts val="1400"/>
+              <a:buNone/>
+            </a:pPr>
+            <a:endParaRPr sz="2400" dirty="0">
+              <a:solidFill>
+                <a:srgbClr val="C00000"/>
+              </a:solidFill>
+            </a:endParaRPr>
+          </a:p>
+        </p:txBody>
+      </p:sp>
+      <p:sp>
+        <p:nvSpPr>
+          <p:cNvPr id="71" name="Google Shape;71;p6:notes"/>
+          <p:cNvSpPr txBox="1"/>
+          <p:nvPr/>
+        </p:nvSpPr>
+        <p:spPr>
+          <a:xfrm>
+            <a:off x="3886200" y="8686800"/>
+            <a:ext cx="2971800" cy="457200"/>
+          </a:xfrm>
+          <a:prstGeom prst="rect">
+            <a:avLst/>
+          </a:prstGeom>
+          <a:noFill/>
+          <a:ln>
+            <a:noFill/>
+          </a:ln>
+        </p:spPr>
+        <p:txBody>
+          <a:bodyPr spcFirstLastPara="1" wrap="square" lIns="91425" tIns="45700" rIns="91425" bIns="45700" anchor="b" anchorCtr="0">
+            <a:noAutofit/>
+          </a:bodyPr>
+          <a:lstStyle/>
+          <a:p>
+            <a:pPr marL="0" marR="0" lvl="0" indent="0" algn="r" rtl="0">
+              <a:lnSpc>
+                <a:spcPct val="100000"/>
+              </a:lnSpc>
+              <a:spcBef>
+                <a:spcPts val="0"/>
+              </a:spcBef>
+              <a:spcAft>
+                <a:spcPts val="0"/>
+              </a:spcAft>
+              <a:buClr>
+                <a:srgbClr val="000000"/>
+              </a:buClr>
+              <a:buSzPts val="1200"/>
+              <a:buFont typeface="Arial"/>
+              <a:buNone/>
+            </a:pPr>
+            <a:fld id="{00000000-1234-1234-1234-123412341234}" type="slidenum">
+              <a:rPr lang="en-US" sz="1200" b="0" i="0" u="none" strike="noStrike" cap="none">
+                <a:solidFill>
+                  <a:schemeClr val="dk1"/>
+                </a:solidFill>
+                <a:latin typeface="Arial"/>
+                <a:ea typeface="Arial"/>
+                <a:cs typeface="Arial"/>
+                <a:sym typeface="Arial"/>
+              </a:rPr>
+              <a:t>10</a:t>
+            </a:fld>
+            <a:endParaRPr sz="1200" b="0" i="0" u="none" strike="noStrike" cap="none">
+              <a:solidFill>
+                <a:schemeClr val="dk1"/>
+              </a:solidFill>
+              <a:latin typeface="Arial"/>
+              <a:ea typeface="Arial"/>
+              <a:cs typeface="Arial"/>
+              <a:sym typeface="Arial"/>
+            </a:endParaRPr>
+          </a:p>
+        </p:txBody>
+      </p:sp>
+    </p:spTree>
+    <p:extLst>
+      <p:ext uri="{BB962C8B-B14F-4D97-AF65-F5344CB8AC3E}">
+        <p14:creationId xmlns:p14="http://schemas.microsoft.com/office/powerpoint/2010/main" val="3636541735"/>
+      </p:ext>
+    </p:extLst>
+  </p:cSld>
+  <p:clrMapOvr>
+    <a:masterClrMapping/>
+  </p:clrMapOvr>
+</p:notes>
+</file>
+
+<file path=ppt/notesSlides/notesSlide11.xml><?xml version="1.0" encoding="utf-8"?>
 <p:notes xmlns:a="http://schemas.openxmlformats.org/drawingml/2006/main" xmlns:r="http://schemas.openxmlformats.org/officeDocument/2006/relationships" xmlns:p="http://schemas.openxmlformats.org/presentationml/2006/main">
   <p:cSld>
     <p:spTree>
@@ -1944,7 +2136,7 @@
           <a:p>
             <a:fld id="{E4561CA8-E283-F746-A8B5-CE76782165F0}" type="slidenum">
               <a:rPr lang="en-US" smtClean="0"/>
-              <a:t>10</a:t>
+              <a:t>11</a:t>
             </a:fld>
             <a:endParaRPr lang="en-US"/>
           </a:p>
@@ -1963,7 +2155,7 @@
 </p:notes>
 </file>
 
-<file path=ppt/notesSlides/notesSlide11.xml><?xml version="1.0" encoding="utf-8"?>
+<file path=ppt/notesSlides/notesSlide12.xml><?xml version="1.0" encoding="utf-8"?>
 <p:notes xmlns:a="http://schemas.openxmlformats.org/drawingml/2006/main" xmlns:r="http://schemas.openxmlformats.org/officeDocument/2006/relationships" xmlns:p="http://schemas.openxmlformats.org/presentationml/2006/main">
   <p:cSld>
     <p:spTree>
@@ -2028,7 +2220,7 @@
           <a:p>
             <a:fld id="{E4561CA8-E283-F746-A8B5-CE76782165F0}" type="slidenum">
               <a:rPr lang="en-US" smtClean="0"/>
-              <a:t>11</a:t>
+              <a:t>12</a:t>
             </a:fld>
             <a:endParaRPr lang="en-US"/>
           </a:p>
@@ -2813,6 +3005,123 @@
 </file>
 
 <file path=ppt/notesSlides/notesSlide6.xml><?xml version="1.0" encoding="utf-8"?>
+<p:notes xmlns:a="http://schemas.openxmlformats.org/drawingml/2006/main" xmlns:r="http://schemas.openxmlformats.org/officeDocument/2006/relationships" xmlns:p="http://schemas.openxmlformats.org/presentationml/2006/main">
+  <p:cSld>
+    <p:spTree>
+      <p:nvGrpSpPr>
+        <p:cNvPr id="1" name=""/>
+        <p:cNvGrpSpPr/>
+        <p:nvPr/>
+      </p:nvGrpSpPr>
+      <p:grpSpPr>
+        <a:xfrm>
+          <a:off x="0" y="0"/>
+          <a:ext cx="0" cy="0"/>
+          <a:chOff x="0" y="0"/>
+          <a:chExt cx="0" cy="0"/>
+        </a:xfrm>
+      </p:grpSpPr>
+      <p:sp>
+        <p:nvSpPr>
+          <p:cNvPr id="2" name="Slide Image Placeholder 1"/>
+          <p:cNvSpPr>
+            <a:spLocks noGrp="1" noRot="1" noChangeAspect="1"/>
+          </p:cNvSpPr>
+          <p:nvPr>
+            <p:ph type="sldImg"/>
+          </p:nvPr>
+        </p:nvSpPr>
+        <p:spPr/>
+      </p:sp>
+      <p:sp>
+        <p:nvSpPr>
+          <p:cNvPr id="3" name="Notes Placeholder 2"/>
+          <p:cNvSpPr>
+            <a:spLocks noGrp="1"/>
+          </p:cNvSpPr>
+          <p:nvPr>
+            <p:ph type="body" idx="1"/>
+          </p:nvPr>
+        </p:nvSpPr>
+        <p:spPr/>
+        <p:txBody>
+          <a:bodyPr/>
+          <a:lstStyle/>
+          <a:p>
+            <a:endParaRPr lang="en-US" dirty="0"/>
+          </a:p>
+        </p:txBody>
+      </p:sp>
+      <p:sp>
+        <p:nvSpPr>
+          <p:cNvPr id="4" name="Slide Number Placeholder 3"/>
+          <p:cNvSpPr>
+            <a:spLocks noGrp="1"/>
+          </p:cNvSpPr>
+          <p:nvPr>
+            <p:ph type="sldNum" idx="12"/>
+          </p:nvPr>
+        </p:nvSpPr>
+        <p:spPr/>
+        <p:txBody>
+          <a:bodyPr/>
+          <a:lstStyle/>
+          <a:p>
+            <a:pPr marL="0" marR="0" lvl="0" indent="0" algn="r" rtl="0">
+              <a:lnSpc>
+                <a:spcPct val="100000"/>
+              </a:lnSpc>
+              <a:spcBef>
+                <a:spcPts val="0"/>
+              </a:spcBef>
+              <a:spcAft>
+                <a:spcPts val="0"/>
+              </a:spcAft>
+              <a:buClr>
+                <a:srgbClr val="000000"/>
+              </a:buClr>
+              <a:buSzPts val="1200"/>
+              <a:buFont typeface="Arial"/>
+              <a:buNone/>
+            </a:pPr>
+            <a:fld id="{00000000-1234-1234-1234-123412341234}" type="slidenum">
+              <a:rPr lang="en-US" sz="1200" b="0" i="0" u="none" strike="noStrike" cap="none" smtClean="0">
+                <a:solidFill>
+                  <a:schemeClr val="dk1"/>
+                </a:solidFill>
+                <a:latin typeface="Arial"/>
+                <a:ea typeface="Arial"/>
+                <a:cs typeface="Arial"/>
+                <a:sym typeface="Arial"/>
+              </a:rPr>
+              <a:t>6</a:t>
+            </a:fld>
+            <a:endParaRPr lang="en-US" sz="1200" b="0" i="0" u="none" strike="noStrike" cap="none">
+              <a:solidFill>
+                <a:schemeClr val="dk1"/>
+              </a:solidFill>
+              <a:latin typeface="Arial"/>
+              <a:ea typeface="Arial"/>
+              <a:cs typeface="Arial"/>
+              <a:sym typeface="Arial"/>
+            </a:endParaRPr>
+          </a:p>
+        </p:txBody>
+      </p:sp>
+    </p:spTree>
+    <p:extLst>
+      <p:ext uri="{BB962C8B-B14F-4D97-AF65-F5344CB8AC3E}">
+        <p14:creationId xmlns:p14="http://schemas.microsoft.com/office/powerpoint/2010/main" val="3307616738"/>
+      </p:ext>
+    </p:extLst>
+  </p:cSld>
+  <p:clrMapOvr>
+    <a:masterClrMapping/>
+  </p:clrMapOvr>
+</p:notes>
+</file>
+
+<file path=ppt/notesSlides/notesSlide7.xml><?xml version="1.0" encoding="utf-8"?>
 <p:notes xmlns:a="http://schemas.openxmlformats.org/drawingml/2006/main" xmlns:r="http://schemas.openxmlformats.org/officeDocument/2006/relationships" xmlns:p="http://schemas.openxmlformats.org/presentationml/2006/main" showMasterSp="0" showMasterPhAnim="0">
   <p:cSld>
     <p:spTree>
@@ -2963,7 +3272,7 @@
                 <a:cs typeface="Arial"/>
                 <a:sym typeface="Arial"/>
               </a:rPr>
-              <a:t>6</a:t>
+              <a:t>7</a:t>
             </a:fld>
             <a:endParaRPr sz="1200" b="0" i="0" u="none" strike="noStrike" cap="none">
               <a:solidFill>
@@ -2990,7 +3299,7 @@
 </p:notes>
 </file>
 
-<file path=ppt/notesSlides/notesSlide7.xml><?xml version="1.0" encoding="utf-8"?>
+<file path=ppt/notesSlides/notesSlide8.xml><?xml version="1.0" encoding="utf-8"?>
 <p:notes xmlns:a="http://schemas.openxmlformats.org/drawingml/2006/main" xmlns:r="http://schemas.openxmlformats.org/officeDocument/2006/relationships" xmlns:p="http://schemas.openxmlformats.org/presentationml/2006/main" showMasterSp="0" showMasterPhAnim="0">
   <p:cSld>
     <p:spTree>
@@ -3137,7 +3446,7 @@
                 <a:cs typeface="Arial"/>
                 <a:sym typeface="Arial"/>
               </a:rPr>
-              <a:t>7</a:t>
+              <a:t>8</a:t>
             </a:fld>
             <a:endParaRPr sz="1200" b="0" i="0" u="none" strike="noStrike" cap="none">
               <a:solidFill>
@@ -3155,197 +3464,6 @@
     <p:extLst>
       <p:ext uri="{BB962C8B-B14F-4D97-AF65-F5344CB8AC3E}">
         <p14:creationId xmlns:p14="http://schemas.microsoft.com/office/powerpoint/2010/main" val="1865870586"/>
-      </p:ext>
-    </p:extLst>
-  </p:cSld>
-  <p:clrMapOvr>
-    <a:masterClrMapping/>
-  </p:clrMapOvr>
-</p:notes>
-</file>
-
-<file path=ppt/notesSlides/notesSlide8.xml><?xml version="1.0" encoding="utf-8"?>
-<p:notes xmlns:a="http://schemas.openxmlformats.org/drawingml/2006/main" xmlns:r="http://schemas.openxmlformats.org/officeDocument/2006/relationships" xmlns:p="http://schemas.openxmlformats.org/presentationml/2006/main" showMasterSp="0" showMasterPhAnim="0">
-  <p:cSld>
-    <p:spTree>
-      <p:nvGrpSpPr>
-        <p:cNvPr id="1" name="Shape 68"/>
-        <p:cNvGrpSpPr/>
-        <p:nvPr/>
-      </p:nvGrpSpPr>
-      <p:grpSpPr>
-        <a:xfrm>
-          <a:off x="0" y="0"/>
-          <a:ext cx="0" cy="0"/>
-          <a:chOff x="0" y="0"/>
-          <a:chExt cx="0" cy="0"/>
-        </a:xfrm>
-      </p:grpSpPr>
-      <p:sp>
-        <p:nvSpPr>
-          <p:cNvPr id="69" name="Google Shape;69;p6:notes"/>
-          <p:cNvSpPr>
-            <a:spLocks noGrp="1" noRot="1" noChangeAspect="1"/>
-          </p:cNvSpPr>
-          <p:nvPr>
-            <p:ph type="sldImg" idx="2"/>
-          </p:nvPr>
-        </p:nvSpPr>
-        <p:spPr>
-          <a:xfrm>
-            <a:off x="381000" y="685800"/>
-            <a:ext cx="6096000" cy="3429000"/>
-          </a:xfrm>
-          <a:custGeom>
-            <a:avLst/>
-            <a:gdLst/>
-            <a:ahLst/>
-            <a:cxnLst/>
-            <a:rect l="l" t="t" r="r" b="b"/>
-            <a:pathLst>
-              <a:path w="120000" h="120000" extrusionOk="0">
-                <a:moveTo>
-                  <a:pt x="0" y="0"/>
-                </a:moveTo>
-                <a:lnTo>
-                  <a:pt x="120000" y="0"/>
-                </a:lnTo>
-                <a:lnTo>
-                  <a:pt x="120000" y="120000"/>
-                </a:lnTo>
-                <a:lnTo>
-                  <a:pt x="0" y="120000"/>
-                </a:lnTo>
-                <a:close/>
-              </a:path>
-            </a:pathLst>
-          </a:custGeom>
-          <a:noFill/>
-          <a:ln>
-            <a:noFill/>
-          </a:ln>
-        </p:spPr>
-      </p:sp>
-      <p:sp>
-        <p:nvSpPr>
-          <p:cNvPr id="70" name="Google Shape;70;p6:notes"/>
-          <p:cNvSpPr txBox="1">
-            <a:spLocks noGrp="1"/>
-          </p:cNvSpPr>
-          <p:nvPr>
-            <p:ph type="body" idx="1"/>
-          </p:nvPr>
-        </p:nvSpPr>
-        <p:spPr>
-          <a:xfrm>
-            <a:off x="914400" y="4343400"/>
-            <a:ext cx="5029200" cy="4114800"/>
-          </a:xfrm>
-          <a:prstGeom prst="rect">
-            <a:avLst/>
-          </a:prstGeom>
-          <a:noFill/>
-          <a:ln>
-            <a:noFill/>
-          </a:ln>
-        </p:spPr>
-        <p:txBody>
-          <a:bodyPr spcFirstLastPara="1" wrap="square" lIns="91425" tIns="45700" rIns="91425" bIns="45700" anchor="t" anchorCtr="0">
-            <a:noAutofit/>
-          </a:bodyPr>
-          <a:lstStyle/>
-          <a:p>
-            <a:pPr marL="0" lvl="0" indent="0" algn="l" rtl="0">
-              <a:lnSpc>
-                <a:spcPct val="100000"/>
-              </a:lnSpc>
-              <a:spcBef>
-                <a:spcPts val="0"/>
-              </a:spcBef>
-              <a:spcAft>
-                <a:spcPts val="0"/>
-              </a:spcAft>
-              <a:buSzPts val="1400"/>
-              <a:buNone/>
-            </a:pPr>
-            <a:endParaRPr sz="2400" dirty="0">
-              <a:solidFill>
-                <a:srgbClr val="C00000"/>
-              </a:solidFill>
-            </a:endParaRPr>
-          </a:p>
-        </p:txBody>
-      </p:sp>
-      <p:sp>
-        <p:nvSpPr>
-          <p:cNvPr id="71" name="Google Shape;71;p6:notes"/>
-          <p:cNvSpPr txBox="1"/>
-          <p:nvPr/>
-        </p:nvSpPr>
-        <p:spPr>
-          <a:xfrm>
-            <a:off x="3886200" y="8686800"/>
-            <a:ext cx="2971800" cy="457200"/>
-          </a:xfrm>
-          <a:prstGeom prst="rect">
-            <a:avLst/>
-          </a:prstGeom>
-          <a:noFill/>
-          <a:ln>
-            <a:noFill/>
-          </a:ln>
-        </p:spPr>
-        <p:txBody>
-          <a:bodyPr spcFirstLastPara="1" wrap="square" lIns="91425" tIns="45700" rIns="91425" bIns="45700" anchor="b" anchorCtr="0">
-            <a:noAutofit/>
-          </a:bodyPr>
-          <a:lstStyle/>
-          <a:p>
-            <a:pPr marL="0" marR="0" lvl="0" indent="0" algn="r" rtl="0">
-              <a:lnSpc>
-                <a:spcPct val="100000"/>
-              </a:lnSpc>
-              <a:spcBef>
-                <a:spcPts val="0"/>
-              </a:spcBef>
-              <a:spcAft>
-                <a:spcPts val="0"/>
-              </a:spcAft>
-              <a:buClr>
-                <a:srgbClr val="000000"/>
-              </a:buClr>
-              <a:buSzPts val="1200"/>
-              <a:buFont typeface="Arial"/>
-              <a:buNone/>
-            </a:pPr>
-            <a:fld id="{00000000-1234-1234-1234-123412341234}" type="slidenum">
-              <a:rPr lang="en-US" sz="1200" b="0" i="0" u="none" strike="noStrike" cap="none">
-                <a:solidFill>
-                  <a:schemeClr val="dk1"/>
-                </a:solidFill>
-                <a:latin typeface="Arial"/>
-                <a:ea typeface="Arial"/>
-                <a:cs typeface="Arial"/>
-                <a:sym typeface="Arial"/>
-              </a:rPr>
-              <a:t>8</a:t>
-            </a:fld>
-            <a:endParaRPr sz="1200" b="0" i="0" u="none" strike="noStrike" cap="none">
-              <a:solidFill>
-                <a:schemeClr val="dk1"/>
-              </a:solidFill>
-              <a:latin typeface="Arial"/>
-              <a:ea typeface="Arial"/>
-              <a:cs typeface="Arial"/>
-              <a:sym typeface="Arial"/>
-            </a:endParaRPr>
-          </a:p>
-        </p:txBody>
-      </p:sp>
-    </p:spTree>
-    <p:extLst>
-      <p:ext uri="{BB962C8B-B14F-4D97-AF65-F5344CB8AC3E}">
-        <p14:creationId xmlns:p14="http://schemas.microsoft.com/office/powerpoint/2010/main" val="2645806494"/>
       </p:ext>
     </p:extLst>
   </p:cSld>
@@ -3536,7 +3654,7 @@
     </p:spTree>
     <p:extLst>
       <p:ext uri="{BB962C8B-B14F-4D97-AF65-F5344CB8AC3E}">
-        <p14:creationId xmlns:p14="http://schemas.microsoft.com/office/powerpoint/2010/main" val="3636541735"/>
+        <p14:creationId xmlns:p14="http://schemas.microsoft.com/office/powerpoint/2010/main" val="2645806494"/>
       </p:ext>
     </p:extLst>
   </p:cSld>
@@ -12827,6 +12945,287 @@
   <p:cSld>
     <p:spTree>
       <p:nvGrpSpPr>
+        <p:cNvPr id="1" name="Shape 72"/>
+        <p:cNvGrpSpPr/>
+        <p:nvPr/>
+      </p:nvGrpSpPr>
+      <p:grpSpPr>
+        <a:xfrm>
+          <a:off x="0" y="0"/>
+          <a:ext cx="0" cy="0"/>
+          <a:chOff x="0" y="0"/>
+          <a:chExt cx="0" cy="0"/>
+        </a:xfrm>
+      </p:grpSpPr>
+      <p:pic>
+        <p:nvPicPr>
+          <p:cNvPr id="73" name="Google Shape;73;p6" descr="A picture containing text, clipart&#10;&#10;Description automatically generated"/>
+          <p:cNvPicPr preferRelativeResize="0"/>
+          <p:nvPr/>
+        </p:nvPicPr>
+        <p:blipFill rotWithShape="1">
+          <a:blip r:embed="rId3">
+            <a:alphaModFix/>
+          </a:blip>
+          <a:srcRect/>
+          <a:stretch/>
+        </p:blipFill>
+        <p:spPr>
+          <a:xfrm>
+            <a:off x="5257800" y="6172201"/>
+            <a:ext cx="2133600" cy="658633"/>
+          </a:xfrm>
+          <a:prstGeom prst="rect">
+            <a:avLst/>
+          </a:prstGeom>
+          <a:noFill/>
+          <a:ln>
+            <a:noFill/>
+          </a:ln>
+        </p:spPr>
+      </p:pic>
+      <p:sp>
+        <p:nvSpPr>
+          <p:cNvPr id="74" name="Google Shape;74;p6"/>
+          <p:cNvSpPr txBox="1"/>
+          <p:nvPr/>
+        </p:nvSpPr>
+        <p:spPr>
+          <a:xfrm>
+            <a:off x="651641" y="0"/>
+            <a:ext cx="10878207" cy="523180"/>
+          </a:xfrm>
+          <a:prstGeom prst="rect">
+            <a:avLst/>
+          </a:prstGeom>
+          <a:noFill/>
+          <a:ln>
+            <a:noFill/>
+          </a:ln>
+        </p:spPr>
+        <p:txBody>
+          <a:bodyPr spcFirstLastPara="1" wrap="square" lIns="91425" tIns="45700" rIns="91425" bIns="45700" anchor="t" anchorCtr="0">
+            <a:spAutoFit/>
+          </a:bodyPr>
+          <a:lstStyle/>
+          <a:p>
+            <a:pPr lvl="1">
+              <a:buSzPts val="2800"/>
+            </a:pPr>
+            <a:r>
+              <a:rPr lang="en-US" sz="2800" b="1" dirty="0"/>
+              <a:t>Case Study – Results</a:t>
+            </a:r>
+            <a:endParaRPr sz="2800" dirty="0"/>
+          </a:p>
+        </p:txBody>
+      </p:sp>
+      <p:sp>
+        <p:nvSpPr>
+          <p:cNvPr id="76" name="Google Shape;76;p6"/>
+          <p:cNvSpPr txBox="1">
+            <a:spLocks noGrp="1"/>
+          </p:cNvSpPr>
+          <p:nvPr>
+            <p:ph type="sldNum" idx="12"/>
+          </p:nvPr>
+        </p:nvSpPr>
+        <p:spPr>
+          <a:xfrm>
+            <a:off x="10080784" y="6333134"/>
+            <a:ext cx="548700" cy="525000"/>
+          </a:xfrm>
+          <a:prstGeom prst="rect">
+            <a:avLst/>
+          </a:prstGeom>
+          <a:noFill/>
+          <a:ln>
+            <a:noFill/>
+          </a:ln>
+        </p:spPr>
+        <p:txBody>
+          <a:bodyPr spcFirstLastPara="1" wrap="square" lIns="91425" tIns="91425" rIns="91425" bIns="91425" anchor="t" anchorCtr="0">
+            <a:noAutofit/>
+          </a:bodyPr>
+          <a:lstStyle/>
+          <a:p>
+            <a:fld id="{00000000-1234-1234-1234-123412341234}" type="slidenum">
+              <a:rPr lang="en-US"/>
+              <a:pPr/>
+              <a:t>10</a:t>
+            </a:fld>
+            <a:endParaRPr/>
+          </a:p>
+        </p:txBody>
+      </p:sp>
+      <p:cxnSp>
+        <p:nvCxnSpPr>
+          <p:cNvPr id="2" name="Google Shape;75;p6">
+            <a:extLst>
+              <a:ext uri="{FF2B5EF4-FFF2-40B4-BE49-F238E27FC236}">
+                <a16:creationId xmlns:a16="http://schemas.microsoft.com/office/drawing/2014/main" id="{9EBE9A99-5EC7-D1BF-65CE-C8B29782E210}"/>
+              </a:ext>
+            </a:extLst>
+          </p:cNvPr>
+          <p:cNvCxnSpPr>
+            <a:cxnSpLocks/>
+          </p:cNvCxnSpPr>
+          <p:nvPr/>
+        </p:nvCxnSpPr>
+        <p:spPr>
+          <a:xfrm>
+            <a:off x="651641" y="523200"/>
+            <a:ext cx="10878207" cy="0"/>
+          </a:xfrm>
+          <a:prstGeom prst="straightConnector1">
+            <a:avLst/>
+          </a:prstGeom>
+          <a:solidFill>
+            <a:schemeClr val="accent1"/>
+          </a:solidFill>
+          <a:ln w="9525" cap="flat" cmpd="sng">
+            <a:solidFill>
+              <a:srgbClr val="C00000"/>
+            </a:solidFill>
+            <a:prstDash val="solid"/>
+            <a:round/>
+            <a:headEnd type="none" w="sm" len="sm"/>
+            <a:tailEnd type="none" w="sm" len="sm"/>
+          </a:ln>
+        </p:spPr>
+      </p:cxnSp>
+      <p:pic>
+        <p:nvPicPr>
+          <p:cNvPr id="5" name="Picture 4">
+            <a:extLst>
+              <a:ext uri="{FF2B5EF4-FFF2-40B4-BE49-F238E27FC236}">
+                <a16:creationId xmlns:a16="http://schemas.microsoft.com/office/drawing/2014/main" id="{EDD7CD5D-D3D2-C918-7E00-7600CDF6D2FF}"/>
+              </a:ext>
+            </a:extLst>
+          </p:cNvPr>
+          <p:cNvPicPr>
+            <a:picLocks noChangeAspect="1"/>
+          </p:cNvPicPr>
+          <p:nvPr/>
+        </p:nvPicPr>
+        <p:blipFill>
+          <a:blip r:embed="rId4"/>
+          <a:stretch>
+            <a:fillRect/>
+          </a:stretch>
+        </p:blipFill>
+        <p:spPr>
+          <a:xfrm>
+            <a:off x="6227618" y="523180"/>
+            <a:ext cx="5867400" cy="5531253"/>
+          </a:xfrm>
+          <a:prstGeom prst="rect">
+            <a:avLst/>
+          </a:prstGeom>
+        </p:spPr>
+      </p:pic>
+      <p:sp>
+        <p:nvSpPr>
+          <p:cNvPr id="6" name="Google Shape;77;p6">
+            <a:extLst>
+              <a:ext uri="{FF2B5EF4-FFF2-40B4-BE49-F238E27FC236}">
+                <a16:creationId xmlns:a16="http://schemas.microsoft.com/office/drawing/2014/main" id="{51277447-24A6-AF9F-0B7B-03BEFE0A2D49}"/>
+              </a:ext>
+            </a:extLst>
+          </p:cNvPr>
+          <p:cNvSpPr txBox="1"/>
+          <p:nvPr/>
+        </p:nvSpPr>
+        <p:spPr>
+          <a:xfrm>
+            <a:off x="239775" y="666745"/>
+            <a:ext cx="6084825" cy="3570178"/>
+          </a:xfrm>
+          <a:prstGeom prst="rect">
+            <a:avLst/>
+          </a:prstGeom>
+          <a:noFill/>
+          <a:ln>
+            <a:noFill/>
+          </a:ln>
+        </p:spPr>
+        <p:txBody>
+          <a:bodyPr spcFirstLastPara="1" wrap="square" lIns="91425" tIns="91425" rIns="91425" bIns="91425" anchor="t" anchorCtr="0">
+            <a:spAutoFit/>
+          </a:bodyPr>
+          <a:lstStyle/>
+          <a:p>
+            <a:pPr marL="342900" indent="-342900">
+              <a:buFont typeface="Arial" panose="020B0604020202020204" pitchFamily="34" charset="0"/>
+              <a:buChar char="•"/>
+            </a:pPr>
+            <a:r>
+              <a:rPr lang="en-US" sz="2000" dirty="0"/>
+              <a:t>With summarized prompts, GPT can produce proportionally diverse answers</a:t>
+            </a:r>
+          </a:p>
+          <a:p>
+            <a:endParaRPr lang="en-US" sz="2000" dirty="0"/>
+          </a:p>
+          <a:p>
+            <a:pPr marL="342900" indent="-342900">
+              <a:buFont typeface="Arial" panose="020B0604020202020204" pitchFamily="34" charset="0"/>
+              <a:buChar char="•"/>
+            </a:pPr>
+            <a:r>
+              <a:rPr lang="en-US" sz="2000" dirty="0"/>
+              <a:t>The ratios between groups of an attribute (e.g., language) are conforming with the proportions of those groups in the external data sources</a:t>
+            </a:r>
+          </a:p>
+          <a:p>
+            <a:endParaRPr lang="en-US" sz="2000" dirty="0"/>
+          </a:p>
+          <a:p>
+            <a:pPr marL="342900" indent="-342900">
+              <a:buFont typeface="Arial" panose="020B0604020202020204" pitchFamily="34" charset="0"/>
+              <a:buChar char="•"/>
+            </a:pPr>
+            <a:r>
+              <a:rPr lang="en-US" sz="2000" dirty="0"/>
+              <a:t>Without these prompts, GPT tends to return answers skewed towards some attributes.</a:t>
+            </a:r>
+          </a:p>
+          <a:p>
+            <a:pPr marL="349250"/>
+            <a:r>
+              <a:rPr lang="en-US" sz="2000" dirty="0"/>
+              <a:t>For example, GPT returns 9 comedy and 1 documentary to the 4</a:t>
+            </a:r>
+            <a:r>
+              <a:rPr lang="en-US" sz="2000" baseline="30000" dirty="0"/>
+              <a:t>th</a:t>
+            </a:r>
+            <a:r>
+              <a:rPr lang="en-US" sz="2000" dirty="0"/>
+              <a:t> query</a:t>
+            </a:r>
+            <a:endParaRPr sz="2000" dirty="0"/>
+          </a:p>
+        </p:txBody>
+      </p:sp>
+    </p:spTree>
+    <p:extLst>
+      <p:ext uri="{BB962C8B-B14F-4D97-AF65-F5344CB8AC3E}">
+        <p14:creationId xmlns:p14="http://schemas.microsoft.com/office/powerpoint/2010/main" val="719108861"/>
+      </p:ext>
+    </p:extLst>
+  </p:cSld>
+  <p:clrMapOvr>
+    <a:masterClrMapping/>
+  </p:clrMapOvr>
+</p:sld>
+</file>
+
+<file path=ppt/slides/slide11.xml><?xml version="1.0" encoding="utf-8"?>
+<p:sld xmlns:a="http://schemas.openxmlformats.org/drawingml/2006/main" xmlns:r="http://schemas.openxmlformats.org/officeDocument/2006/relationships" xmlns:p="http://schemas.openxmlformats.org/presentationml/2006/main">
+  <p:cSld>
+    <p:spTree>
+      <p:nvGrpSpPr>
         <p:cNvPr id="1" name=""/>
         <p:cNvGrpSpPr/>
         <p:nvPr/>
@@ -13008,7 +13407,7 @@
 </p:sld>
 </file>
 
-<file path=ppt/slides/slide11.xml><?xml version="1.0" encoding="utf-8"?>
+<file path=ppt/slides/slide12.xml><?xml version="1.0" encoding="utf-8"?>
 <p:sld xmlns:a="http://schemas.openxmlformats.org/drawingml/2006/main" xmlns:r="http://schemas.openxmlformats.org/officeDocument/2006/relationships" xmlns:p="http://schemas.openxmlformats.org/presentationml/2006/main">
   <p:cSld>
     <p:spTree>
@@ -13059,12 +13458,25 @@
             </a:r>
           </a:p>
           <a:p>
+            <a:pPr marL="114300" indent="0">
+              <a:buNone/>
+            </a:pPr>
+            <a:endParaRPr lang="en-US" dirty="0">
+              <a:sym typeface="Wingdings" pitchFamily="2" charset="2"/>
+            </a:endParaRPr>
+          </a:p>
+          <a:p>
             <a:r>
               <a:rPr lang="en-US" dirty="0">
                 <a:sym typeface="Wingdings" pitchFamily="2" charset="2"/>
               </a:rPr>
               <a:t>A framework is introduced to query external benchmark datasets, calculate proportions for relevant attributes, and summarize query results as text prompts</a:t>
             </a:r>
+          </a:p>
+          <a:p>
+            <a:endParaRPr lang="en-US" dirty="0">
+              <a:sym typeface="Wingdings" pitchFamily="2" charset="2"/>
+            </a:endParaRPr>
           </a:p>
           <a:p>
             <a:r>
@@ -13502,7 +13914,7 @@
 </p:sld>
 </file>
 
-<file path=ppt/slides/slide12.xml><?xml version="1.0" encoding="utf-8"?>
+<file path=ppt/slides/slide13.xml><?xml version="1.0" encoding="utf-8"?>
 <p:sld xmlns:a="http://schemas.openxmlformats.org/drawingml/2006/main" xmlns:r="http://schemas.openxmlformats.org/officeDocument/2006/relationships" xmlns:p="http://schemas.openxmlformats.org/presentationml/2006/main">
   <p:cSld>
     <p:spTree>
@@ -13576,7 +13988,7 @@
             <a:fld id="{00000000-1234-1234-1234-123412341234}" type="slidenum">
               <a:rPr lang="en-US" smtClean="0"/>
               <a:pPr/>
-              <a:t>12</a:t>
+              <a:t>13</a:t>
             </a:fld>
             <a:endParaRPr lang="en-US"/>
           </a:p>
@@ -14446,7 +14858,7 @@
           <a:p>
             <a:r>
               <a:rPr lang="en-US" sz="2000" b="1" dirty="0"/>
-              <a:t>data sources (databases)</a:t>
+              <a:t>data databases</a:t>
             </a:r>
           </a:p>
           <a:p>
@@ -14800,8 +15212,8 @@
         </p:nvSpPr>
         <p:spPr>
           <a:xfrm>
-            <a:off x="807026" y="5205578"/>
-            <a:ext cx="10722821" cy="523220"/>
+            <a:off x="274521" y="5657834"/>
+            <a:ext cx="10878207" cy="461665"/>
           </a:xfrm>
           <a:prstGeom prst="rect">
             <a:avLst/>
@@ -14815,31 +15227,31 @@
           <a:lstStyle/>
           <a:p>
             <a:r>
-              <a:rPr lang="en-US" dirty="0"/>
+              <a:rPr lang="en-US" sz="1200" dirty="0"/>
               <a:t>Wei, D., Islam, M. M., </a:t>
             </a:r>
             <a:r>
-              <a:rPr lang="en-US" dirty="0" err="1"/>
+              <a:rPr lang="en-US" sz="1200" dirty="0" err="1"/>
               <a:t>Schieber</a:t>
             </a:r>
             <a:r>
-              <a:rPr lang="en-US" dirty="0"/>
+              <a:rPr lang="en-US" sz="1200" dirty="0"/>
               <a:t>, B., &amp; </a:t>
             </a:r>
             <a:r>
-              <a:rPr lang="en-US" dirty="0" err="1"/>
+              <a:rPr lang="en-US" sz="1200" dirty="0" err="1"/>
               <a:t>Basu</a:t>
             </a:r>
             <a:r>
-              <a:rPr lang="en-US" dirty="0"/>
+              <a:rPr lang="en-US" sz="1200" dirty="0"/>
               <a:t> Roy, S. (2022, June). Rank aggregation with proportionate fairness. In </a:t>
             </a:r>
             <a:r>
-              <a:rPr lang="en-US" i="1" dirty="0"/>
+              <a:rPr lang="en-US" sz="1200" i="1" dirty="0"/>
               <a:t>Proceedings of the 2022 International Conference on Management of Data</a:t>
             </a:r>
             <a:r>
-              <a:rPr lang="en-US" dirty="0"/>
+              <a:rPr lang="en-US" sz="1200" dirty="0"/>
               <a:t> (pp. 262-275).</a:t>
             </a:r>
           </a:p>
@@ -14861,8 +15273,8 @@
             </p:nvSpPr>
             <p:spPr>
               <a:xfrm>
-                <a:off x="651641" y="915531"/>
-                <a:ext cx="10878207" cy="4009016"/>
+                <a:off x="416263" y="862147"/>
+                <a:ext cx="11459802" cy="6991692"/>
               </a:xfrm>
               <a:prstGeom prst="rect">
                 <a:avLst/>
@@ -14879,13 +15291,17 @@
               <a:lstStyle/>
               <a:p>
                 <a:r>
-                  <a:rPr lang="en-US" sz="1600" i="1" dirty="0"/>
+                  <a:rPr lang="en-US" sz="2400" b="1" i="1" dirty="0"/>
+                  <a:t>Single attribute. </a:t>
+                </a:r>
+                <a:r>
+                  <a:rPr lang="en-US" sz="2400" i="1" dirty="0"/>
                   <a:t>Given a user query </a:t>
                 </a:r>
                 <a14:m>
                   <m:oMath xmlns:m="http://schemas.openxmlformats.org/officeDocument/2006/math">
                     <m:r>
-                      <a:rPr lang="en-US" sz="1600" i="1" dirty="0" smtClean="0">
+                      <a:rPr lang="en-US" sz="2400" i="1" dirty="0" smtClean="0">
                         <a:latin typeface="Cambria Math" panose="02040503050406030204" pitchFamily="18" charset="0"/>
                       </a:rPr>
                       <m:t>𝑞</m:t>
@@ -14893,13 +15309,13 @@
                   </m:oMath>
                 </a14:m>
                 <a:r>
-                  <a:rPr lang="en-US" sz="1600" i="1" dirty="0"/>
+                  <a:rPr lang="en-US" sz="2400" i="1" dirty="0"/>
                   <a:t>, integer </a:t>
                 </a:r>
                 <a14:m>
                   <m:oMath xmlns:m="http://schemas.openxmlformats.org/officeDocument/2006/math">
                     <m:r>
-                      <a:rPr lang="en-US" sz="1600" i="1" dirty="0" smtClean="0">
+                      <a:rPr lang="en-US" sz="2400" i="1" dirty="0" smtClean="0">
                         <a:latin typeface="Cambria Math" panose="02040503050406030204" pitchFamily="18" charset="0"/>
                       </a:rPr>
                       <m:t>𝑘</m:t>
@@ -14907,13 +15323,13 @@
                   </m:oMath>
                 </a14:m>
                 <a:r>
-                  <a:rPr lang="en-US" sz="1600" i="1" dirty="0"/>
+                  <a:rPr lang="en-US" sz="2400" i="1" dirty="0"/>
                   <a:t>, user specified attribute </a:t>
                 </a:r>
                 <a14:m>
                   <m:oMath xmlns:m="http://schemas.openxmlformats.org/officeDocument/2006/math">
                     <m:r>
-                      <a:rPr lang="en-US" sz="1600" i="1" dirty="0" smtClean="0">
+                      <a:rPr lang="en-US" sz="2400" i="1" dirty="0" smtClean="0">
                         <a:latin typeface="Cambria Math" panose="02040503050406030204" pitchFamily="18" charset="0"/>
                       </a:rPr>
                       <m:t>𝐴</m:t>
@@ -14921,13 +15337,13 @@
                   </m:oMath>
                 </a14:m>
                 <a:r>
-                  <a:rPr lang="en-US" sz="1600" i="1" dirty="0"/>
+                  <a:rPr lang="en-US" sz="2400" i="1" dirty="0"/>
                   <a:t> with </a:t>
                 </a:r>
                 <a14:m>
                   <m:oMath xmlns:m="http://schemas.openxmlformats.org/officeDocument/2006/math">
                     <m:r>
-                      <a:rPr lang="en-US" sz="1600" i="1" dirty="0" smtClean="0">
+                      <a:rPr lang="en-US" sz="2400" i="1" dirty="0" smtClean="0">
                         <a:latin typeface="Cambria Math" panose="02040503050406030204" pitchFamily="18" charset="0"/>
                         <a:ea typeface="Cambria Math" panose="02040503050406030204" pitchFamily="18" charset="0"/>
                       </a:rPr>
@@ -14936,13 +15352,13 @@
                   </m:oMath>
                 </a14:m>
                 <a:r>
-                  <a:rPr lang="en-US" sz="1600" i="1" dirty="0"/>
+                  <a:rPr lang="en-US" sz="2400" i="1" dirty="0"/>
                   <a:t> domain size (on which the results are to be diversified), a proportionality constraint defined over a single attribute containing </a:t>
                 </a:r>
                 <a14:m>
                   <m:oMath xmlns:m="http://schemas.openxmlformats.org/officeDocument/2006/math">
                     <m:r>
-                      <a:rPr lang="en-US" sz="1600" i="1" dirty="0">
+                      <a:rPr lang="en-US" sz="2400" i="1" dirty="0">
                         <a:latin typeface="Cambria Math" panose="02040503050406030204" pitchFamily="18" charset="0"/>
                         <a:ea typeface="Cambria Math" panose="02040503050406030204" pitchFamily="18" charset="0"/>
                       </a:rPr>
@@ -14951,7 +15367,7 @@
                   </m:oMath>
                 </a14:m>
                 <a:r>
-                  <a:rPr lang="en-US" sz="1600" i="1" dirty="0"/>
+                  <a:rPr lang="en-US" sz="2400" i="1" dirty="0"/>
                   <a:t> different groups </a:t>
                 </a:r>
                 <a14:m>
@@ -14959,14 +15375,14 @@
                     <m:sSub>
                       <m:sSubPr>
                         <m:ctrlPr>
-                          <a:rPr lang="en-US" sz="1600" i="1" dirty="0" smtClean="0">
+                          <a:rPr lang="en-US" sz="2400" i="1" dirty="0" smtClean="0">
                             <a:latin typeface="Cambria Math" panose="02040503050406030204" pitchFamily="18" charset="0"/>
                           </a:rPr>
                         </m:ctrlPr>
                       </m:sSubPr>
                       <m:e>
                         <m:r>
-                          <a:rPr lang="en-US" sz="1600" b="0" i="1" dirty="0" smtClean="0">
+                          <a:rPr lang="en-US" sz="2400" b="0" i="1" dirty="0" smtClean="0">
                             <a:latin typeface="Cambria Math" panose="02040503050406030204" pitchFamily="18" charset="0"/>
                           </a:rPr>
                           <m:t>𝐺</m:t>
@@ -14974,7 +15390,7 @@
                       </m:e>
                       <m:sub>
                         <m:r>
-                          <a:rPr lang="en-US" sz="1600" b="0" i="1" dirty="0" smtClean="0">
+                          <a:rPr lang="en-US" sz="2400" b="0" i="1" dirty="0" smtClean="0">
                             <a:latin typeface="Cambria Math" panose="02040503050406030204" pitchFamily="18" charset="0"/>
                           </a:rPr>
                           <m:t>1</m:t>
@@ -14982,7 +15398,7 @@
                       </m:sub>
                     </m:sSub>
                     <m:r>
-                      <a:rPr lang="en-US" sz="1600" i="1" dirty="0" smtClean="0">
+                      <a:rPr lang="en-US" sz="2400" i="1" dirty="0" smtClean="0">
                         <a:latin typeface="Cambria Math" panose="02040503050406030204" pitchFamily="18" charset="0"/>
                       </a:rPr>
                       <m:t>,</m:t>
@@ -14990,14 +15406,14 @@
                     <m:sSub>
                       <m:sSubPr>
                         <m:ctrlPr>
-                          <a:rPr lang="en-US" sz="1600" i="1" dirty="0">
+                          <a:rPr lang="en-US" sz="2400" i="1" dirty="0">
                             <a:latin typeface="Cambria Math" panose="02040503050406030204" pitchFamily="18" charset="0"/>
                           </a:rPr>
                         </m:ctrlPr>
                       </m:sSubPr>
                       <m:e>
                         <m:r>
-                          <a:rPr lang="en-US" sz="1600" i="1" dirty="0">
+                          <a:rPr lang="en-US" sz="2400" i="1" dirty="0">
                             <a:latin typeface="Cambria Math" panose="02040503050406030204" pitchFamily="18" charset="0"/>
                           </a:rPr>
                           <m:t>𝐺</m:t>
@@ -15005,7 +15421,7 @@
                       </m:e>
                       <m:sub>
                         <m:r>
-                          <a:rPr lang="en-US" sz="1600" b="0" i="1" dirty="0" smtClean="0">
+                          <a:rPr lang="en-US" sz="2400" b="0" i="1" dirty="0" smtClean="0">
                             <a:latin typeface="Cambria Math" panose="02040503050406030204" pitchFamily="18" charset="0"/>
                           </a:rPr>
                           <m:t>2</m:t>
@@ -15013,7 +15429,7 @@
                       </m:sub>
                     </m:sSub>
                     <m:r>
-                      <a:rPr lang="en-US" sz="1600" i="1" dirty="0" smtClean="0">
+                      <a:rPr lang="en-US" sz="2400" i="1" dirty="0" smtClean="0">
                         <a:latin typeface="Cambria Math" panose="02040503050406030204" pitchFamily="18" charset="0"/>
                       </a:rPr>
                       <m:t>,..,</m:t>
@@ -15021,14 +15437,14 @@
                     <m:sSub>
                       <m:sSubPr>
                         <m:ctrlPr>
-                          <a:rPr lang="en-US" sz="1600" i="1" dirty="0">
+                          <a:rPr lang="en-US" sz="2400" i="1" dirty="0">
                             <a:latin typeface="Cambria Math" panose="02040503050406030204" pitchFamily="18" charset="0"/>
                           </a:rPr>
                         </m:ctrlPr>
                       </m:sSubPr>
                       <m:e>
                         <m:r>
-                          <a:rPr lang="en-US" sz="1600" i="1" dirty="0">
+                          <a:rPr lang="en-US" sz="2400" i="1" dirty="0">
                             <a:latin typeface="Cambria Math" panose="02040503050406030204" pitchFamily="18" charset="0"/>
                           </a:rPr>
                           <m:t>𝐺</m:t>
@@ -15036,7 +15452,7 @@
                       </m:e>
                       <m:sub>
                         <m:r>
-                          <a:rPr lang="en-US" sz="1600" i="1" dirty="0">
+                          <a:rPr lang="en-US" sz="2400" i="1" dirty="0">
                             <a:latin typeface="Cambria Math" panose="02040503050406030204" pitchFamily="18" charset="0"/>
                             <a:ea typeface="Cambria Math" panose="02040503050406030204" pitchFamily="18" charset="0"/>
                           </a:rPr>
@@ -15047,7 +15463,7 @@
                   </m:oMath>
                 </a14:m>
                 <a:r>
-                  <a:rPr lang="en-US" sz="1600" i="1" dirty="0"/>
+                  <a:rPr lang="en-US" sz="2400" i="1" dirty="0"/>
                   <a:t> requires that the representation of each group </a:t>
                 </a:r>
                 <a14:m>
@@ -15055,14 +15471,14 @@
                     <m:sSub>
                       <m:sSubPr>
                         <m:ctrlPr>
-                          <a:rPr lang="en-US" sz="1600" i="1" dirty="0">
+                          <a:rPr lang="en-US" sz="2400" i="1" dirty="0">
                             <a:latin typeface="Cambria Math" panose="02040503050406030204" pitchFamily="18" charset="0"/>
                           </a:rPr>
                         </m:ctrlPr>
                       </m:sSubPr>
                       <m:e>
                         <m:r>
-                          <a:rPr lang="en-US" sz="1600" i="1" dirty="0">
+                          <a:rPr lang="en-US" sz="2400" i="1" dirty="0">
                             <a:latin typeface="Cambria Math" panose="02040503050406030204" pitchFamily="18" charset="0"/>
                           </a:rPr>
                           <m:t>𝐺</m:t>
@@ -15070,7 +15486,7 @@
                       </m:e>
                       <m:sub>
                         <m:r>
-                          <a:rPr lang="en-US" sz="1600" b="0" i="1" dirty="0" smtClean="0">
+                          <a:rPr lang="en-US" sz="2400" b="0" i="1" dirty="0" smtClean="0">
                             <a:latin typeface="Cambria Math" panose="02040503050406030204" pitchFamily="18" charset="0"/>
                           </a:rPr>
                           <m:t>𝑖</m:t>
@@ -15080,7 +15496,7 @@
                   </m:oMath>
                 </a14:m>
                 <a:r>
-                  <a:rPr lang="en-US" sz="1600" i="1" dirty="0"/>
+                  <a:rPr lang="en-US" sz="2400" i="1" dirty="0"/>
                   <a:t> in top-k results is </a:t>
                 </a:r>
                 <a14:m>
@@ -15088,14 +15504,14 @@
                     <m:sSub>
                       <m:sSubPr>
                         <m:ctrlPr>
-                          <a:rPr lang="en-US" sz="1600" i="1">
+                          <a:rPr lang="en-US" sz="2400" i="1">
                             <a:latin typeface="Cambria Math" panose="02040503050406030204" pitchFamily="18" charset="0"/>
                           </a:rPr>
                         </m:ctrlPr>
                       </m:sSubPr>
                       <m:e>
                         <m:r>
-                          <a:rPr lang="en-US" sz="1600" i="1">
+                          <a:rPr lang="en-US" sz="2400" i="1">
                             <a:latin typeface="Cambria Math" panose="02040503050406030204" pitchFamily="18" charset="0"/>
                           </a:rPr>
                           <m:t>𝑎</m:t>
@@ -15103,7 +15519,7 @@
                       </m:e>
                       <m:sub>
                         <m:r>
-                          <a:rPr lang="en-US" sz="1600" i="1">
+                          <a:rPr lang="en-US" sz="2400" i="1">
                             <a:latin typeface="Cambria Math" panose="02040503050406030204" pitchFamily="18" charset="0"/>
                           </a:rPr>
                           <m:t>𝑖</m:t>
@@ -15113,7 +15529,7 @@
                   </m:oMath>
                 </a14:m>
                 <a:r>
-                  <a:rPr lang="en-US" sz="1600" i="1" dirty="0"/>
+                  <a:rPr lang="en-US" sz="2400" i="1" dirty="0"/>
                   <a:t>, where </a:t>
                 </a:r>
                 <a14:m>
@@ -15123,7 +15539,7 @@
                         <m:chr m:val="∑"/>
                         <m:limLoc m:val="subSup"/>
                         <m:ctrlPr>
-                          <a:rPr lang="en-US" sz="1600" i="1" smtClean="0">
+                          <a:rPr lang="en-US" sz="2400" i="1" smtClean="0">
                             <a:latin typeface="Cambria Math" panose="02040503050406030204" pitchFamily="18" charset="0"/>
                           </a:rPr>
                         </m:ctrlPr>
@@ -15133,7 +15549,7 @@
                           <m:rPr>
                             <m:brk m:alnAt="25"/>
                           </m:rPr>
-                          <a:rPr lang="en-US" sz="1600" b="0" i="1" smtClean="0">
+                          <a:rPr lang="en-US" sz="2400" b="0" i="1" smtClean="0">
                             <a:latin typeface="Cambria Math" panose="02040503050406030204" pitchFamily="18" charset="0"/>
                           </a:rPr>
                           <m:t>𝑖</m:t>
@@ -15141,7 +15557,7 @@
                       </m:sub>
                       <m:sup>
                         <m:r>
-                          <a:rPr lang="en-US" sz="1600" i="1" dirty="0">
+                          <a:rPr lang="en-US" sz="2400" i="1" dirty="0">
                             <a:latin typeface="Cambria Math" panose="02040503050406030204" pitchFamily="18" charset="0"/>
                             <a:ea typeface="Cambria Math" panose="02040503050406030204" pitchFamily="18" charset="0"/>
                           </a:rPr>
@@ -15152,14 +15568,14 @@
                         <m:sSub>
                           <m:sSubPr>
                             <m:ctrlPr>
-                              <a:rPr lang="en-US" sz="1600" i="1" smtClean="0">
+                              <a:rPr lang="en-US" sz="2400" i="1" smtClean="0">
                                 <a:latin typeface="Cambria Math" panose="02040503050406030204" pitchFamily="18" charset="0"/>
                               </a:rPr>
                             </m:ctrlPr>
                           </m:sSubPr>
                           <m:e>
                             <m:r>
-                              <a:rPr lang="en-US" sz="1600" b="0" i="1" smtClean="0">
+                              <a:rPr lang="en-US" sz="2400" b="0" i="1" smtClean="0">
                                 <a:latin typeface="Cambria Math" panose="02040503050406030204" pitchFamily="18" charset="0"/>
                               </a:rPr>
                               <m:t>𝑎</m:t>
@@ -15167,7 +15583,7 @@
                           </m:e>
                           <m:sub>
                             <m:r>
-                              <a:rPr lang="en-US" sz="1600" b="0" i="1" smtClean="0">
+                              <a:rPr lang="en-US" sz="2400" b="0" i="1" smtClean="0">
                                 <a:latin typeface="Cambria Math" panose="02040503050406030204" pitchFamily="18" charset="0"/>
                               </a:rPr>
                               <m:t>𝑖</m:t>
@@ -15177,13 +15593,13 @@
                       </m:e>
                     </m:nary>
                     <m:r>
-                      <a:rPr lang="en-US" sz="1600" b="0" i="1" smtClean="0">
+                      <a:rPr lang="en-US" sz="2400" b="0" i="1" smtClean="0">
                         <a:latin typeface="Cambria Math" panose="02040503050406030204" pitchFamily="18" charset="0"/>
                       </a:rPr>
                       <m:t>=</m:t>
                     </m:r>
                     <m:r>
-                      <a:rPr lang="en-US" sz="1600" b="0" i="1" smtClean="0">
+                      <a:rPr lang="en-US" sz="2400" b="0" i="1" smtClean="0">
                         <a:latin typeface="Cambria Math" panose="02040503050406030204" pitchFamily="18" charset="0"/>
                       </a:rPr>
                       <m:t>𝑘</m:t>
@@ -15191,236 +15607,58 @@
                   </m:oMath>
                 </a14:m>
                 <a:r>
-                  <a:rPr lang="en-US" sz="1600" i="1" dirty="0"/>
+                  <a:rPr lang="en-US" sz="2400" i="1" dirty="0"/>
                   <a:t>. </a:t>
                 </a:r>
               </a:p>
               <a:p>
-                <a:endParaRPr lang="en-US" sz="1600" i="1" dirty="0"/>
+                <a:endParaRPr lang="en-US" sz="2400" i="1" dirty="0"/>
               </a:p>
               <a:p>
                 <a:r>
-                  <a:rPr lang="en-US" sz="1600" i="1" dirty="0"/>
+                  <a:rPr lang="en-US" sz="2400" b="1" i="1" dirty="0"/>
+                  <a:t>Multiple attributes. </a:t>
+                </a:r>
+                <a:r>
+                  <a:rPr lang="en-US" sz="2400" i="1" dirty="0"/>
                   <a:t>Generalizing this, if proportionality is defined over a set R of different attributes with a required representation on each group of each attribute, a proportional top-k result must simultaneously satisfy proportionate representation for all attributes in R.</a:t>
                 </a:r>
               </a:p>
               <a:p>
-                <a:endParaRPr lang="en-US" sz="1600" i="1" dirty="0"/>
+                <a:endParaRPr lang="en-US" sz="2400" i="1" dirty="0"/>
               </a:p>
               <a:p>
-                <a:r>
-                  <a:rPr lang="en-US" sz="1600" b="1" dirty="0"/>
-                  <a:t>Example: </a:t>
-                </a:r>
-                <a:r>
-                  <a:rPr lang="en-US" sz="1600" dirty="0"/>
-                  <a:t>using the IMDb movie database with the query “list top-10 movies based on genres with ratings &gt; 6.5”. Assuming there are 3 genres (</a:t>
-                </a:r>
-                <a14:m>
-                  <m:oMath xmlns:m="http://schemas.openxmlformats.org/officeDocument/2006/math">
-                    <m:r>
-                      <a:rPr lang="en-US" sz="1600" i="1" dirty="0" smtClean="0">
-                        <a:latin typeface="Cambria Math" panose="02040503050406030204" pitchFamily="18" charset="0"/>
-                        <a:ea typeface="Cambria Math" panose="02040503050406030204" pitchFamily="18" charset="0"/>
-                      </a:rPr>
-                      <m:t>ℓ</m:t>
-                    </m:r>
-                  </m:oMath>
-                </a14:m>
-                <a:r>
-                  <a:rPr lang="en-US" sz="1600" dirty="0"/>
-                  <a:t> = 3) where </a:t>
-                </a:r>
-                <a:r>
-                  <a:rPr lang="en-US" sz="1600" u="sng" dirty="0"/>
-                  <a:t>10,000 out of 20,000 (50%)</a:t>
-                </a:r>
-                <a:r>
-                  <a:rPr lang="en-US" sz="1600" dirty="0"/>
-                  <a:t> drama movies, </a:t>
-                </a:r>
-                <a:r>
-                  <a:rPr lang="en-US" sz="1600" u="sng" dirty="0"/>
-                  <a:t>5,000 out of 15,000 (33%)</a:t>
-                </a:r>
-                <a:r>
-                  <a:rPr lang="en-US" sz="1600" dirty="0"/>
-                  <a:t> action movies, and </a:t>
-                </a:r>
-                <a:r>
-                  <a:rPr lang="en-US" sz="1600" u="sng" dirty="0"/>
-                  <a:t>5,000 out of 25,000 (20%)</a:t>
-                </a:r>
-                <a:r>
-                  <a:rPr lang="en-US" sz="1600" dirty="0"/>
-                  <a:t> comedies having ratings &gt; 6.5. The proportions are:</a:t>
-                </a:r>
+                <a:endParaRPr lang="en-US" sz="2400" b="1" dirty="0"/>
               </a:p>
               <a:p>
-                <a14:m>
-                  <m:oMath xmlns:m="http://schemas.openxmlformats.org/officeDocument/2006/math">
-                    <m:sSub>
-                      <m:sSubPr>
-                        <m:ctrlPr>
-                          <a:rPr lang="en-US" sz="1600" i="1" smtClean="0">
-                            <a:latin typeface="Cambria Math" panose="02040503050406030204" pitchFamily="18" charset="0"/>
-                          </a:rPr>
-                        </m:ctrlPr>
-                      </m:sSubPr>
-                      <m:e>
-                        <m:r>
-                          <a:rPr lang="en-US" sz="1600" b="0" i="1" smtClean="0">
-                            <a:latin typeface="Cambria Math" panose="02040503050406030204" pitchFamily="18" charset="0"/>
-                          </a:rPr>
-                          <m:t>𝑎</m:t>
-                        </m:r>
-                      </m:e>
-                      <m:sub>
-                        <m:r>
-                          <a:rPr lang="en-US" sz="1600" b="0" i="1" smtClean="0">
-                            <a:latin typeface="Cambria Math" panose="02040503050406030204" pitchFamily="18" charset="0"/>
-                          </a:rPr>
-                          <m:t>𝑑𝑟𝑎𝑚𝑎</m:t>
-                        </m:r>
-                      </m:sub>
-                    </m:sSub>
-                    <m:r>
-                      <a:rPr lang="en-US" sz="1600" b="0" i="1" smtClean="0">
-                        <a:latin typeface="Cambria Math" panose="02040503050406030204" pitchFamily="18" charset="0"/>
-                      </a:rPr>
-                      <m:t>=</m:t>
-                    </m:r>
-                    <m:f>
-                      <m:fPr>
-                        <m:ctrlPr>
-                          <a:rPr lang="en-US" sz="1600" b="0" i="1" smtClean="0">
-                            <a:latin typeface="Cambria Math" panose="02040503050406030204" pitchFamily="18" charset="0"/>
-                          </a:rPr>
-                        </m:ctrlPr>
-                      </m:fPr>
-                      <m:num>
-                        <m:r>
-                          <a:rPr lang="en-US" sz="1600" b="0" i="1" smtClean="0">
-                            <a:latin typeface="Cambria Math" panose="02040503050406030204" pitchFamily="18" charset="0"/>
-                          </a:rPr>
-                          <m:t>.5</m:t>
-                        </m:r>
-                      </m:num>
-                      <m:den>
-                        <m:r>
-                          <a:rPr lang="en-US" sz="1600" b="0" i="1" smtClean="0">
-                            <a:latin typeface="Cambria Math" panose="02040503050406030204" pitchFamily="18" charset="0"/>
-                          </a:rPr>
-                          <m:t>.5+ .33+ .2</m:t>
-                        </m:r>
-                      </m:den>
-                    </m:f>
-                    <m:r>
-                      <a:rPr lang="en-US" sz="1600" b="0" i="1" smtClean="0">
-                        <a:latin typeface="Cambria Math" panose="02040503050406030204" pitchFamily="18" charset="0"/>
-                      </a:rPr>
-                      <m:t>=5</m:t>
-                    </m:r>
-                  </m:oMath>
-                </a14:m>
-                <a:r>
-                  <a:rPr lang="en-US" sz="1600" dirty="0"/>
-                  <a:t>,  </a:t>
-                </a:r>
-                <a14:m>
-                  <m:oMath xmlns:m="http://schemas.openxmlformats.org/officeDocument/2006/math">
-                    <m:sSub>
-                      <m:sSubPr>
-                        <m:ctrlPr>
-                          <a:rPr lang="en-US" sz="1600" i="1" smtClean="0">
-                            <a:latin typeface="Cambria Math" panose="02040503050406030204" pitchFamily="18" charset="0"/>
-                          </a:rPr>
-                        </m:ctrlPr>
-                      </m:sSubPr>
-                      <m:e>
-                        <m:r>
-                          <a:rPr lang="en-US" sz="1600" i="1">
-                            <a:latin typeface="Cambria Math" panose="02040503050406030204" pitchFamily="18" charset="0"/>
-                          </a:rPr>
-                          <m:t>𝑎</m:t>
-                        </m:r>
-                      </m:e>
-                      <m:sub>
-                        <m:r>
-                          <a:rPr lang="en-US" sz="1600" b="0" i="1" smtClean="0">
-                            <a:latin typeface="Cambria Math" panose="02040503050406030204" pitchFamily="18" charset="0"/>
-                          </a:rPr>
-                          <m:t>𝑎𝑐𝑡𝑖𝑜𝑛</m:t>
-                        </m:r>
-                      </m:sub>
-                    </m:sSub>
-                    <m:r>
-                      <a:rPr lang="en-US" sz="1600" b="0" i="1" smtClean="0">
-                        <a:latin typeface="Cambria Math" panose="02040503050406030204" pitchFamily="18" charset="0"/>
-                      </a:rPr>
-                      <m:t>=3</m:t>
-                    </m:r>
-                  </m:oMath>
-                </a14:m>
-                <a:r>
-                  <a:rPr lang="en-US" sz="1600" dirty="0"/>
-                  <a:t>,  </a:t>
-                </a:r>
-                <a14:m>
-                  <m:oMath xmlns:m="http://schemas.openxmlformats.org/officeDocument/2006/math">
-                    <m:sSub>
-                      <m:sSubPr>
-                        <m:ctrlPr>
-                          <a:rPr lang="en-US" sz="1600" i="1">
-                            <a:latin typeface="Cambria Math" panose="02040503050406030204" pitchFamily="18" charset="0"/>
-                          </a:rPr>
-                        </m:ctrlPr>
-                      </m:sSubPr>
-                      <m:e>
-                        <m:r>
-                          <a:rPr lang="en-US" sz="1600" i="1">
-                            <a:latin typeface="Cambria Math" panose="02040503050406030204" pitchFamily="18" charset="0"/>
-                          </a:rPr>
-                          <m:t>𝑎</m:t>
-                        </m:r>
-                      </m:e>
-                      <m:sub>
-                        <m:r>
-                          <a:rPr lang="en-US" sz="1600" b="0" i="1" smtClean="0">
-                            <a:latin typeface="Cambria Math" panose="02040503050406030204" pitchFamily="18" charset="0"/>
-                          </a:rPr>
-                          <m:t>𝑐𝑜𝑚𝑒𝑑𝑦</m:t>
-                        </m:r>
-                      </m:sub>
-                    </m:sSub>
-                    <m:r>
-                      <a:rPr lang="en-US" sz="1600" i="1">
-                        <a:latin typeface="Cambria Math" panose="02040503050406030204" pitchFamily="18" charset="0"/>
-                      </a:rPr>
-                      <m:t>=</m:t>
-                    </m:r>
-                    <m:r>
-                      <a:rPr lang="en-US" sz="1600" b="0" i="1" smtClean="0">
-                        <a:latin typeface="Cambria Math" panose="02040503050406030204" pitchFamily="18" charset="0"/>
-                      </a:rPr>
-                      <m:t>2</m:t>
-                    </m:r>
-                  </m:oMath>
-                </a14:m>
-                <a:r>
-                  <a:rPr lang="en-US" sz="1600" dirty="0"/>
-                  <a:t>. </a:t>
-                </a:r>
+                <a:endParaRPr lang="en-US" sz="2400" b="1" dirty="0"/>
               </a:p>
               <a:p>
-                <a:endParaRPr lang="en-US" sz="1600" dirty="0"/>
+                <a:endParaRPr lang="en-US" sz="2400" b="1" dirty="0"/>
               </a:p>
               <a:p>
-                <a:r>
-                  <a:rPr lang="en-US" sz="1600" dirty="0"/>
-                  <a:t>Proportional diversity requires that the returned results satisfy these proportions, i.e., 5 dramas, 3 actions, and 2 comedies for 10 movies listed</a:t>
-                </a:r>
-                <a:endParaRPr sz="1600" dirty="0"/>
+                <a:endParaRPr lang="en-US" sz="1600" b="1" dirty="0"/>
+              </a:p>
+              <a:p>
+                <a:endParaRPr lang="en-US" sz="1600" b="1" dirty="0"/>
+              </a:p>
+              <a:p>
+                <a:endParaRPr lang="en-US" sz="1600" b="1" dirty="0"/>
+              </a:p>
+              <a:p>
+                <a:endParaRPr lang="en-US" sz="1600" b="1" dirty="0"/>
+              </a:p>
+              <a:p>
+                <a:endParaRPr lang="en-US" sz="1600" b="1" dirty="0"/>
+              </a:p>
+              <a:p>
+                <a:endParaRPr lang="en-US" sz="1600" b="1" dirty="0"/>
+              </a:p>
+              <a:p>
+                <a:endParaRPr lang="en-US" sz="1600" b="1" dirty="0"/>
+              </a:p>
+              <a:p>
+                <a:endParaRPr lang="en-US" sz="1600" b="1" dirty="0"/>
               </a:p>
             </p:txBody>
           </p:sp>
@@ -15442,8 +15680,8 @@
             </p:nvSpPr>
             <p:spPr>
               <a:xfrm>
-                <a:off x="651641" y="915531"/>
-                <a:ext cx="10878207" cy="4009016"/>
+                <a:off x="416263" y="862147"/>
+                <a:ext cx="11459802" cy="6991692"/>
               </a:xfrm>
               <a:prstGeom prst="rect">
                 <a:avLst/>
@@ -15451,7 +15689,7 @@
               <a:blipFill>
                 <a:blip r:embed="rId4"/>
                 <a:stretch>
-                  <a:fillRect l="-350" r="-583"/>
+                  <a:fillRect l="-774" r="-885"/>
                 </a:stretch>
               </a:blipFill>
               <a:ln>
@@ -15487,6 +15725,1529 @@
 </file>
 
 <file path=ppt/slides/slide6.xml><?xml version="1.0" encoding="utf-8"?>
+<p:sld xmlns:a="http://schemas.openxmlformats.org/drawingml/2006/main" xmlns:r="http://schemas.openxmlformats.org/officeDocument/2006/relationships" xmlns:p="http://schemas.openxmlformats.org/presentationml/2006/main">
+  <p:cSld>
+    <p:spTree>
+      <p:nvGrpSpPr>
+        <p:cNvPr id="1" name=""/>
+        <p:cNvGrpSpPr/>
+        <p:nvPr/>
+      </p:nvGrpSpPr>
+      <p:grpSpPr>
+        <a:xfrm>
+          <a:off x="0" y="0"/>
+          <a:ext cx="0" cy="0"/>
+          <a:chOff x="0" y="0"/>
+          <a:chExt cx="0" cy="0"/>
+        </a:xfrm>
+      </p:grpSpPr>
+      <p:sp>
+        <p:nvSpPr>
+          <p:cNvPr id="2" name="Slide Number Placeholder 1">
+            <a:extLst>
+              <a:ext uri="{FF2B5EF4-FFF2-40B4-BE49-F238E27FC236}">
+                <a16:creationId xmlns:a16="http://schemas.microsoft.com/office/drawing/2014/main" id="{BEF1B735-B780-C15D-09D8-AB8AD28CBB21}"/>
+              </a:ext>
+            </a:extLst>
+          </p:cNvPr>
+          <p:cNvSpPr>
+            <a:spLocks noGrp="1"/>
+          </p:cNvSpPr>
+          <p:nvPr>
+            <p:ph type="sldNum" idx="12"/>
+          </p:nvPr>
+        </p:nvSpPr>
+        <p:spPr/>
+        <p:txBody>
+          <a:bodyPr/>
+          <a:lstStyle/>
+          <a:p>
+            <a:fld id="{00000000-1234-1234-1234-123412341234}" type="slidenum">
+              <a:rPr lang="en-US" smtClean="0"/>
+              <a:pPr/>
+              <a:t>6</a:t>
+            </a:fld>
+            <a:endParaRPr lang="en-US"/>
+          </a:p>
+        </p:txBody>
+      </p:sp>
+      <mc:AlternateContent xmlns:mc="http://schemas.openxmlformats.org/markup-compatibility/2006">
+        <mc:Choice xmlns:a14="http://schemas.microsoft.com/office/drawing/2010/main" Requires="a14">
+          <p:graphicFrame>
+            <p:nvGraphicFramePr>
+              <p:cNvPr id="3" name="Table 4">
+                <a:extLst>
+                  <a:ext uri="{FF2B5EF4-FFF2-40B4-BE49-F238E27FC236}">
+                    <a16:creationId xmlns:a16="http://schemas.microsoft.com/office/drawing/2014/main" id="{B3C0B912-7C7E-2DB8-BA8A-CEE20B2EB690}"/>
+                  </a:ext>
+                </a:extLst>
+              </p:cNvPr>
+              <p:cNvGraphicFramePr>
+                <a:graphicFrameLocks noGrp="1"/>
+              </p:cNvGraphicFramePr>
+              <p:nvPr>
+                <p:extLst>
+                  <p:ext uri="{D42A27DB-BD31-4B8C-83A1-F6EECF244321}">
+                    <p14:modId xmlns:p14="http://schemas.microsoft.com/office/powerpoint/2010/main" val="2278477498"/>
+                  </p:ext>
+                </p:extLst>
+              </p:nvPr>
+            </p:nvGraphicFramePr>
+            <p:xfrm>
+              <a:off x="150967" y="2881591"/>
+              <a:ext cx="7240433" cy="2649982"/>
+            </p:xfrm>
+            <a:graphic>
+              <a:graphicData uri="http://schemas.openxmlformats.org/drawingml/2006/table">
+                <a:tbl>
+                  <a:tblPr firstRow="1" bandRow="1">
+                    <a:tableStyleId>{37DD0CF7-6C99-46ED-80E2-5B3C9315A0ED}</a:tableStyleId>
+                  </a:tblPr>
+                  <a:tblGrid>
+                    <a:gridCol w="1810108">
+                      <a:extLst>
+                        <a:ext uri="{9D8B030D-6E8A-4147-A177-3AD203B41FA5}">
+                          <a16:colId xmlns:a16="http://schemas.microsoft.com/office/drawing/2014/main" val="315808519"/>
+                        </a:ext>
+                      </a:extLst>
+                    </a:gridCol>
+                    <a:gridCol w="1509489">
+                      <a:extLst>
+                        <a:ext uri="{9D8B030D-6E8A-4147-A177-3AD203B41FA5}">
+                          <a16:colId xmlns:a16="http://schemas.microsoft.com/office/drawing/2014/main" val="3056252200"/>
+                        </a:ext>
+                      </a:extLst>
+                    </a:gridCol>
+                    <a:gridCol w="1364672">
+                      <a:extLst>
+                        <a:ext uri="{9D8B030D-6E8A-4147-A177-3AD203B41FA5}">
+                          <a16:colId xmlns:a16="http://schemas.microsoft.com/office/drawing/2014/main" val="1380037745"/>
+                        </a:ext>
+                      </a:extLst>
+                    </a:gridCol>
+                    <a:gridCol w="2556164">
+                      <a:extLst>
+                        <a:ext uri="{9D8B030D-6E8A-4147-A177-3AD203B41FA5}">
+                          <a16:colId xmlns:a16="http://schemas.microsoft.com/office/drawing/2014/main" val="3840891527"/>
+                        </a:ext>
+                      </a:extLst>
+                    </a:gridCol>
+                  </a:tblGrid>
+                  <a:tr h="0">
+                    <a:tc>
+                      <a:txBody>
+                        <a:bodyPr/>
+                        <a:lstStyle/>
+                        <a:p>
+                          <a:r>
+                            <a:rPr lang="en-US" dirty="0"/>
+                            <a:t>Genre</a:t>
+                          </a:r>
+                        </a:p>
+                      </a:txBody>
+                      <a:tcPr/>
+                    </a:tc>
+                    <a:tc>
+                      <a:txBody>
+                        <a:bodyPr/>
+                        <a:lstStyle/>
+                        <a:p>
+                          <a:r>
+                            <a:rPr lang="en-US" dirty="0"/>
+                            <a:t>Total # movies</a:t>
+                          </a:r>
+                        </a:p>
+                      </a:txBody>
+                      <a:tcPr/>
+                    </a:tc>
+                    <a:tc>
+                      <a:txBody>
+                        <a:bodyPr/>
+                        <a:lstStyle/>
+                        <a:p>
+                          <a:pPr marL="0" marR="0" lvl="0" indent="0" algn="l" defTabSz="914400" rtl="0" eaLnBrk="1" fontAlgn="auto" latinLnBrk="0" hangingPunct="1">
+                            <a:lnSpc>
+                              <a:spcPct val="100000"/>
+                            </a:lnSpc>
+                            <a:spcBef>
+                              <a:spcPts val="0"/>
+                            </a:spcBef>
+                            <a:spcAft>
+                              <a:spcPts val="0"/>
+                            </a:spcAft>
+                            <a:buClr>
+                              <a:srgbClr val="000000"/>
+                            </a:buClr>
+                            <a:buSzTx/>
+                            <a:buFont typeface="Arial"/>
+                            <a:buNone/>
+                            <a:tabLst/>
+                            <a:defRPr/>
+                          </a:pPr>
+                          <a:r>
+                            <a:rPr lang="en-US" dirty="0"/>
+                            <a:t>Total # movies satisfying rating constraint</a:t>
+                          </a:r>
+                        </a:p>
+                        <a:p>
+                          <a:endParaRPr lang="en-US" dirty="0"/>
+                        </a:p>
+                      </a:txBody>
+                      <a:tcPr/>
+                    </a:tc>
+                    <a:tc>
+                      <a:txBody>
+                        <a:bodyPr/>
+                        <a:lstStyle/>
+                        <a:p>
+                          <a:r>
+                            <a:rPr lang="en-US" dirty="0"/>
+                            <a:t>proportion</a:t>
+                          </a:r>
+                        </a:p>
+                      </a:txBody>
+                      <a:tcPr/>
+                    </a:tc>
+                    <a:extLst>
+                      <a:ext uri="{0D108BD9-81ED-4DB2-BD59-A6C34878D82A}">
+                        <a16:rowId xmlns:a16="http://schemas.microsoft.com/office/drawing/2014/main" val="1161064642"/>
+                      </a:ext>
+                    </a:extLst>
+                  </a:tr>
+                  <a:tr h="287182">
+                    <a:tc>
+                      <a:txBody>
+                        <a:bodyPr/>
+                        <a:lstStyle/>
+                        <a:p>
+                          <a:r>
+                            <a:rPr lang="en-US" dirty="0"/>
+                            <a:t>Drama</a:t>
+                          </a:r>
+                        </a:p>
+                      </a:txBody>
+                      <a:tcPr/>
+                    </a:tc>
+                    <a:tc>
+                      <a:txBody>
+                        <a:bodyPr/>
+                        <a:lstStyle/>
+                        <a:p>
+                          <a:r>
+                            <a:rPr lang="en-US" dirty="0"/>
+                            <a:t>20,000</a:t>
+                          </a:r>
+                        </a:p>
+                      </a:txBody>
+                      <a:tcPr/>
+                    </a:tc>
+                    <a:tc>
+                      <a:txBody>
+                        <a:bodyPr/>
+                        <a:lstStyle/>
+                        <a:p>
+                          <a:r>
+                            <a:rPr lang="en-US" dirty="0"/>
+                            <a:t>10,000</a:t>
+                          </a:r>
+                        </a:p>
+                      </a:txBody>
+                      <a:tcPr/>
+                    </a:tc>
+                    <a:tc>
+                      <a:txBody>
+                        <a:bodyPr/>
+                        <a:lstStyle/>
+                        <a:p>
+                          <a14:m>
+                            <m:oMathPara xmlns:m="http://schemas.openxmlformats.org/officeDocument/2006/math">
+                              <m:oMathParaPr>
+                                <m:jc m:val="centerGroup"/>
+                              </m:oMathParaPr>
+                              <m:oMath xmlns:m="http://schemas.openxmlformats.org/officeDocument/2006/math">
+                                <m:sSub>
+                                  <m:sSubPr>
+                                    <m:ctrlPr>
+                                      <a:rPr lang="en-US" sz="1400" i="1" smtClean="0">
+                                        <a:latin typeface="Cambria Math" panose="02040503050406030204" pitchFamily="18" charset="0"/>
+                                      </a:rPr>
+                                    </m:ctrlPr>
+                                  </m:sSubPr>
+                                  <m:e>
+                                    <m:r>
+                                      <a:rPr lang="en-US" sz="1400" b="0" i="1" smtClean="0">
+                                        <a:latin typeface="Cambria Math" panose="02040503050406030204" pitchFamily="18" charset="0"/>
+                                      </a:rPr>
+                                      <m:t>𝑎</m:t>
+                                    </m:r>
+                                  </m:e>
+                                  <m:sub>
+                                    <m:r>
+                                      <a:rPr lang="en-US" sz="1400" b="0" i="1" smtClean="0">
+                                        <a:latin typeface="Cambria Math" panose="02040503050406030204" pitchFamily="18" charset="0"/>
+                                      </a:rPr>
+                                      <m:t>𝑑𝑟𝑎𝑚𝑎</m:t>
+                                    </m:r>
+                                  </m:sub>
+                                </m:sSub>
+                                <m:r>
+                                  <a:rPr lang="en-US" sz="1400" b="0" i="1" smtClean="0">
+                                    <a:latin typeface="Cambria Math" panose="02040503050406030204" pitchFamily="18" charset="0"/>
+                                  </a:rPr>
+                                  <m:t>=</m:t>
+                                </m:r>
+                                <m:f>
+                                  <m:fPr>
+                                    <m:ctrlPr>
+                                      <a:rPr lang="en-US" sz="1400" b="0" i="1" smtClean="0">
+                                        <a:latin typeface="Cambria Math" panose="02040503050406030204" pitchFamily="18" charset="0"/>
+                                      </a:rPr>
+                                    </m:ctrlPr>
+                                  </m:fPr>
+                                  <m:num>
+                                    <m:r>
+                                      <a:rPr lang="en-US" sz="1400" b="0" i="1" smtClean="0">
+                                        <a:latin typeface="Cambria Math" panose="02040503050406030204" pitchFamily="18" charset="0"/>
+                                      </a:rPr>
+                                      <m:t>.5</m:t>
+                                    </m:r>
+                                  </m:num>
+                                  <m:den>
+                                    <m:r>
+                                      <a:rPr lang="en-US" sz="1400" b="0" i="1" smtClean="0">
+                                        <a:latin typeface="Cambria Math" panose="02040503050406030204" pitchFamily="18" charset="0"/>
+                                      </a:rPr>
+                                      <m:t>.5+ .33+ .2</m:t>
+                                    </m:r>
+                                  </m:den>
+                                </m:f>
+                                <m:r>
+                                  <a:rPr lang="en-US" sz="1400" b="0" i="1" smtClean="0">
+                                    <a:latin typeface="Cambria Math" panose="02040503050406030204" pitchFamily="18" charset="0"/>
+                                  </a:rPr>
+                                  <m:t>=5</m:t>
+                                </m:r>
+                              </m:oMath>
+                            </m:oMathPara>
+                          </a14:m>
+                          <a:endParaRPr lang="en-US" dirty="0"/>
+                        </a:p>
+                      </a:txBody>
+                      <a:tcPr/>
+                    </a:tc>
+                    <a:extLst>
+                      <a:ext uri="{0D108BD9-81ED-4DB2-BD59-A6C34878D82A}">
+                        <a16:rowId xmlns:a16="http://schemas.microsoft.com/office/drawing/2014/main" val="2418290345"/>
+                      </a:ext>
+                    </a:extLst>
+                  </a:tr>
+                  <a:tr h="287182">
+                    <a:tc>
+                      <a:txBody>
+                        <a:bodyPr/>
+                        <a:lstStyle/>
+                        <a:p>
+                          <a:r>
+                            <a:rPr lang="en-US" dirty="0"/>
+                            <a:t>Action</a:t>
+                          </a:r>
+                        </a:p>
+                      </a:txBody>
+                      <a:tcPr/>
+                    </a:tc>
+                    <a:tc>
+                      <a:txBody>
+                        <a:bodyPr/>
+                        <a:lstStyle/>
+                        <a:p>
+                          <a:r>
+                            <a:rPr lang="en-US" dirty="0"/>
+                            <a:t>15,000</a:t>
+                          </a:r>
+                        </a:p>
+                      </a:txBody>
+                      <a:tcPr/>
+                    </a:tc>
+                    <a:tc>
+                      <a:txBody>
+                        <a:bodyPr/>
+                        <a:lstStyle/>
+                        <a:p>
+                          <a:r>
+                            <a:rPr lang="en-US" dirty="0"/>
+                            <a:t>5,000</a:t>
+                          </a:r>
+                        </a:p>
+                      </a:txBody>
+                      <a:tcPr/>
+                    </a:tc>
+                    <a:tc>
+                      <a:txBody>
+                        <a:bodyPr/>
+                        <a:lstStyle/>
+                        <a:p>
+                          <a14:m>
+                            <m:oMathPara xmlns:m="http://schemas.openxmlformats.org/officeDocument/2006/math">
+                              <m:oMathParaPr>
+                                <m:jc m:val="centerGroup"/>
+                              </m:oMathParaPr>
+                              <m:oMath xmlns:m="http://schemas.openxmlformats.org/officeDocument/2006/math">
+                                <m:sSub>
+                                  <m:sSubPr>
+                                    <m:ctrlPr>
+                                      <a:rPr lang="en-US" sz="1400" i="1" smtClean="0">
+                                        <a:latin typeface="Cambria Math" panose="02040503050406030204" pitchFamily="18" charset="0"/>
+                                      </a:rPr>
+                                    </m:ctrlPr>
+                                  </m:sSubPr>
+                                  <m:e>
+                                    <m:r>
+                                      <a:rPr lang="en-US" sz="1400" b="0" i="1" smtClean="0">
+                                        <a:latin typeface="Cambria Math" panose="02040503050406030204" pitchFamily="18" charset="0"/>
+                                      </a:rPr>
+                                      <m:t>𝑎</m:t>
+                                    </m:r>
+                                  </m:e>
+                                  <m:sub>
+                                    <m:r>
+                                      <a:rPr lang="en-US" sz="1400" b="0" i="1" smtClean="0">
+                                        <a:latin typeface="Cambria Math" panose="02040503050406030204" pitchFamily="18" charset="0"/>
+                                      </a:rPr>
+                                      <m:t>𝑎𝑐𝑡𝑖𝑜𝑛</m:t>
+                                    </m:r>
+                                  </m:sub>
+                                </m:sSub>
+                                <m:r>
+                                  <a:rPr lang="en-US" sz="1400" b="0" i="1" smtClean="0">
+                                    <a:latin typeface="Cambria Math" panose="02040503050406030204" pitchFamily="18" charset="0"/>
+                                  </a:rPr>
+                                  <m:t>=</m:t>
+                                </m:r>
+                                <m:f>
+                                  <m:fPr>
+                                    <m:ctrlPr>
+                                      <a:rPr lang="en-US" sz="1400" b="0" i="1" smtClean="0">
+                                        <a:latin typeface="Cambria Math" panose="02040503050406030204" pitchFamily="18" charset="0"/>
+                                      </a:rPr>
+                                    </m:ctrlPr>
+                                  </m:fPr>
+                                  <m:num>
+                                    <m:r>
+                                      <a:rPr lang="en-US" sz="1400" b="0" i="1" smtClean="0">
+                                        <a:latin typeface="Cambria Math" panose="02040503050406030204" pitchFamily="18" charset="0"/>
+                                      </a:rPr>
+                                      <m:t>.</m:t>
+                                    </m:r>
+                                    <m:r>
+                                      <a:rPr lang="en-US" sz="1400" b="0" i="1" smtClean="0">
+                                        <a:latin typeface="Cambria Math" panose="02040503050406030204" pitchFamily="18" charset="0"/>
+                                      </a:rPr>
+                                      <m:t>33</m:t>
+                                    </m:r>
+                                  </m:num>
+                                  <m:den>
+                                    <m:r>
+                                      <a:rPr lang="en-US" sz="1400" b="0" i="1" smtClean="0">
+                                        <a:latin typeface="Cambria Math" panose="02040503050406030204" pitchFamily="18" charset="0"/>
+                                      </a:rPr>
+                                      <m:t>.5+ .33+ .2</m:t>
+                                    </m:r>
+                                  </m:den>
+                                </m:f>
+                                <m:r>
+                                  <a:rPr lang="en-US" sz="1400" b="0" i="1" smtClean="0">
+                                    <a:latin typeface="Cambria Math" panose="02040503050406030204" pitchFamily="18" charset="0"/>
+                                  </a:rPr>
+                                  <m:t>=</m:t>
+                                </m:r>
+                                <m:r>
+                                  <a:rPr lang="en-US" sz="1400" b="0" i="1" smtClean="0">
+                                    <a:latin typeface="Cambria Math" panose="02040503050406030204" pitchFamily="18" charset="0"/>
+                                  </a:rPr>
+                                  <m:t>3</m:t>
+                                </m:r>
+                              </m:oMath>
+                            </m:oMathPara>
+                          </a14:m>
+                          <a:endParaRPr lang="en-US" dirty="0"/>
+                        </a:p>
+                      </a:txBody>
+                      <a:tcPr/>
+                    </a:tc>
+                    <a:extLst>
+                      <a:ext uri="{0D108BD9-81ED-4DB2-BD59-A6C34878D82A}">
+                        <a16:rowId xmlns:a16="http://schemas.microsoft.com/office/drawing/2014/main" val="1834531644"/>
+                      </a:ext>
+                    </a:extLst>
+                  </a:tr>
+                  <a:tr h="287182">
+                    <a:tc>
+                      <a:txBody>
+                        <a:bodyPr/>
+                        <a:lstStyle/>
+                        <a:p>
+                          <a:r>
+                            <a:rPr lang="en-US" dirty="0"/>
+                            <a:t>Comedy</a:t>
+                          </a:r>
+                        </a:p>
+                      </a:txBody>
+                      <a:tcPr/>
+                    </a:tc>
+                    <a:tc>
+                      <a:txBody>
+                        <a:bodyPr/>
+                        <a:lstStyle/>
+                        <a:p>
+                          <a:r>
+                            <a:rPr lang="en-US" dirty="0"/>
+                            <a:t>5,000</a:t>
+                          </a:r>
+                        </a:p>
+                      </a:txBody>
+                      <a:tcPr/>
+                    </a:tc>
+                    <a:tc>
+                      <a:txBody>
+                        <a:bodyPr/>
+                        <a:lstStyle/>
+                        <a:p>
+                          <a:r>
+                            <a:rPr lang="en-US" dirty="0"/>
+                            <a:t>25,000</a:t>
+                          </a:r>
+                        </a:p>
+                      </a:txBody>
+                      <a:tcPr/>
+                    </a:tc>
+                    <a:tc>
+                      <a:txBody>
+                        <a:bodyPr/>
+                        <a:lstStyle/>
+                        <a:p>
+                          <a14:m>
+                            <m:oMathPara xmlns:m="http://schemas.openxmlformats.org/officeDocument/2006/math">
+                              <m:oMathParaPr>
+                                <m:jc m:val="centerGroup"/>
+                              </m:oMathParaPr>
+                              <m:oMath xmlns:m="http://schemas.openxmlformats.org/officeDocument/2006/math">
+                                <m:sSub>
+                                  <m:sSubPr>
+                                    <m:ctrlPr>
+                                      <a:rPr lang="en-US" sz="1400" i="1" smtClean="0">
+                                        <a:latin typeface="Cambria Math" panose="02040503050406030204" pitchFamily="18" charset="0"/>
+                                      </a:rPr>
+                                    </m:ctrlPr>
+                                  </m:sSubPr>
+                                  <m:e>
+                                    <m:r>
+                                      <a:rPr lang="en-US" sz="1400" b="0" i="1" smtClean="0">
+                                        <a:latin typeface="Cambria Math" panose="02040503050406030204" pitchFamily="18" charset="0"/>
+                                      </a:rPr>
+                                      <m:t>𝑎</m:t>
+                                    </m:r>
+                                  </m:e>
+                                  <m:sub>
+                                    <m:r>
+                                      <a:rPr lang="en-US" sz="1400" b="0" i="1" smtClean="0">
+                                        <a:latin typeface="Cambria Math" panose="02040503050406030204" pitchFamily="18" charset="0"/>
+                                      </a:rPr>
+                                      <m:t>𝑐𝑜𝑚𝑒𝑑𝑦</m:t>
+                                    </m:r>
+                                  </m:sub>
+                                </m:sSub>
+                                <m:r>
+                                  <a:rPr lang="en-US" sz="1400" b="0" i="1" smtClean="0">
+                                    <a:latin typeface="Cambria Math" panose="02040503050406030204" pitchFamily="18" charset="0"/>
+                                  </a:rPr>
+                                  <m:t>=</m:t>
+                                </m:r>
+                                <m:f>
+                                  <m:fPr>
+                                    <m:ctrlPr>
+                                      <a:rPr lang="en-US" sz="1400" b="0" i="1" smtClean="0">
+                                        <a:latin typeface="Cambria Math" panose="02040503050406030204" pitchFamily="18" charset="0"/>
+                                      </a:rPr>
+                                    </m:ctrlPr>
+                                  </m:fPr>
+                                  <m:num>
+                                    <m:r>
+                                      <a:rPr lang="en-US" sz="1400" b="0" i="1" smtClean="0">
+                                        <a:latin typeface="Cambria Math" panose="02040503050406030204" pitchFamily="18" charset="0"/>
+                                      </a:rPr>
+                                      <m:t>.</m:t>
+                                    </m:r>
+                                    <m:r>
+                                      <a:rPr lang="en-US" sz="1400" b="0" i="1" smtClean="0">
+                                        <a:latin typeface="Cambria Math" panose="02040503050406030204" pitchFamily="18" charset="0"/>
+                                      </a:rPr>
+                                      <m:t>2</m:t>
+                                    </m:r>
+                                  </m:num>
+                                  <m:den>
+                                    <m:r>
+                                      <a:rPr lang="en-US" sz="1400" b="0" i="1" smtClean="0">
+                                        <a:latin typeface="Cambria Math" panose="02040503050406030204" pitchFamily="18" charset="0"/>
+                                      </a:rPr>
+                                      <m:t>.5+ .33+ .2</m:t>
+                                    </m:r>
+                                  </m:den>
+                                </m:f>
+                                <m:r>
+                                  <a:rPr lang="en-US" sz="1400" b="0" i="1" smtClean="0">
+                                    <a:latin typeface="Cambria Math" panose="02040503050406030204" pitchFamily="18" charset="0"/>
+                                  </a:rPr>
+                                  <m:t>=</m:t>
+                                </m:r>
+                                <m:r>
+                                  <a:rPr lang="en-US" sz="1400" b="0" i="1" smtClean="0">
+                                    <a:latin typeface="Cambria Math" panose="02040503050406030204" pitchFamily="18" charset="0"/>
+                                  </a:rPr>
+                                  <m:t>2</m:t>
+                                </m:r>
+                              </m:oMath>
+                            </m:oMathPara>
+                          </a14:m>
+                          <a:endParaRPr lang="en-US" dirty="0"/>
+                        </a:p>
+                      </a:txBody>
+                      <a:tcPr/>
+                    </a:tc>
+                    <a:extLst>
+                      <a:ext uri="{0D108BD9-81ED-4DB2-BD59-A6C34878D82A}">
+                        <a16:rowId xmlns:a16="http://schemas.microsoft.com/office/drawing/2014/main" val="1298327287"/>
+                      </a:ext>
+                    </a:extLst>
+                  </a:tr>
+                </a:tbl>
+              </a:graphicData>
+            </a:graphic>
+          </p:graphicFrame>
+        </mc:Choice>
+        <mc:Fallback>
+          <p:graphicFrame>
+            <p:nvGraphicFramePr>
+              <p:cNvPr id="3" name="Table 4">
+                <a:extLst>
+                  <a:ext uri="{FF2B5EF4-FFF2-40B4-BE49-F238E27FC236}">
+                    <a16:creationId xmlns:a16="http://schemas.microsoft.com/office/drawing/2014/main" id="{B3C0B912-7C7E-2DB8-BA8A-CEE20B2EB690}"/>
+                  </a:ext>
+                </a:extLst>
+              </p:cNvPr>
+              <p:cNvGraphicFramePr>
+                <a:graphicFrameLocks noGrp="1"/>
+              </p:cNvGraphicFramePr>
+              <p:nvPr>
+                <p:extLst>
+                  <p:ext uri="{D42A27DB-BD31-4B8C-83A1-F6EECF244321}">
+                    <p14:modId xmlns:p14="http://schemas.microsoft.com/office/powerpoint/2010/main" val="2278477498"/>
+                  </p:ext>
+                </p:extLst>
+              </p:nvPr>
+            </p:nvGraphicFramePr>
+            <p:xfrm>
+              <a:off x="150967" y="2881591"/>
+              <a:ext cx="7240433" cy="2649982"/>
+            </p:xfrm>
+            <a:graphic>
+              <a:graphicData uri="http://schemas.openxmlformats.org/drawingml/2006/table">
+                <a:tbl>
+                  <a:tblPr firstRow="1" bandRow="1">
+                    <a:tableStyleId>{37DD0CF7-6C99-46ED-80E2-5B3C9315A0ED}</a:tableStyleId>
+                  </a:tblPr>
+                  <a:tblGrid>
+                    <a:gridCol w="1810108">
+                      <a:extLst>
+                        <a:ext uri="{9D8B030D-6E8A-4147-A177-3AD203B41FA5}">
+                          <a16:colId xmlns:a16="http://schemas.microsoft.com/office/drawing/2014/main" val="315808519"/>
+                        </a:ext>
+                      </a:extLst>
+                    </a:gridCol>
+                    <a:gridCol w="1509489">
+                      <a:extLst>
+                        <a:ext uri="{9D8B030D-6E8A-4147-A177-3AD203B41FA5}">
+                          <a16:colId xmlns:a16="http://schemas.microsoft.com/office/drawing/2014/main" val="3056252200"/>
+                        </a:ext>
+                      </a:extLst>
+                    </a:gridCol>
+                    <a:gridCol w="1364672">
+                      <a:extLst>
+                        <a:ext uri="{9D8B030D-6E8A-4147-A177-3AD203B41FA5}">
+                          <a16:colId xmlns:a16="http://schemas.microsoft.com/office/drawing/2014/main" val="1380037745"/>
+                        </a:ext>
+                      </a:extLst>
+                    </a:gridCol>
+                    <a:gridCol w="2556164">
+                      <a:extLst>
+                        <a:ext uri="{9D8B030D-6E8A-4147-A177-3AD203B41FA5}">
+                          <a16:colId xmlns:a16="http://schemas.microsoft.com/office/drawing/2014/main" val="3840891527"/>
+                        </a:ext>
+                      </a:extLst>
+                    </a:gridCol>
+                  </a:tblGrid>
+                  <a:tr h="1158240">
+                    <a:tc>
+                      <a:txBody>
+                        <a:bodyPr/>
+                        <a:lstStyle/>
+                        <a:p>
+                          <a:r>
+                            <a:rPr lang="en-US" dirty="0"/>
+                            <a:t>Genre</a:t>
+                          </a:r>
+                        </a:p>
+                      </a:txBody>
+                      <a:tcPr/>
+                    </a:tc>
+                    <a:tc>
+                      <a:txBody>
+                        <a:bodyPr/>
+                        <a:lstStyle/>
+                        <a:p>
+                          <a:r>
+                            <a:rPr lang="en-US" dirty="0"/>
+                            <a:t>Total # movies</a:t>
+                          </a:r>
+                        </a:p>
+                      </a:txBody>
+                      <a:tcPr/>
+                    </a:tc>
+                    <a:tc>
+                      <a:txBody>
+                        <a:bodyPr/>
+                        <a:lstStyle/>
+                        <a:p>
+                          <a:pPr marL="0" marR="0" lvl="0" indent="0" algn="l" defTabSz="914400" rtl="0" eaLnBrk="1" fontAlgn="auto" latinLnBrk="0" hangingPunct="1">
+                            <a:lnSpc>
+                              <a:spcPct val="100000"/>
+                            </a:lnSpc>
+                            <a:spcBef>
+                              <a:spcPts val="0"/>
+                            </a:spcBef>
+                            <a:spcAft>
+                              <a:spcPts val="0"/>
+                            </a:spcAft>
+                            <a:buClr>
+                              <a:srgbClr val="000000"/>
+                            </a:buClr>
+                            <a:buSzTx/>
+                            <a:buFont typeface="Arial"/>
+                            <a:buNone/>
+                            <a:tabLst/>
+                            <a:defRPr/>
+                          </a:pPr>
+                          <a:r>
+                            <a:rPr lang="en-US" dirty="0"/>
+                            <a:t>Total # movies satisfying rating constraint</a:t>
+                          </a:r>
+                        </a:p>
+                        <a:p>
+                          <a:endParaRPr lang="en-US" dirty="0"/>
+                        </a:p>
+                      </a:txBody>
+                      <a:tcPr/>
+                    </a:tc>
+                    <a:tc>
+                      <a:txBody>
+                        <a:bodyPr/>
+                        <a:lstStyle/>
+                        <a:p>
+                          <a:r>
+                            <a:rPr lang="en-US" dirty="0"/>
+                            <a:t>proportion</a:t>
+                          </a:r>
+                        </a:p>
+                      </a:txBody>
+                      <a:tcPr/>
+                    </a:tc>
+                    <a:extLst>
+                      <a:ext uri="{0D108BD9-81ED-4DB2-BD59-A6C34878D82A}">
+                        <a16:rowId xmlns:a16="http://schemas.microsoft.com/office/drawing/2014/main" val="1161064642"/>
+                      </a:ext>
+                    </a:extLst>
+                  </a:tr>
+                  <a:tr h="500126">
+                    <a:tc>
+                      <a:txBody>
+                        <a:bodyPr/>
+                        <a:lstStyle/>
+                        <a:p>
+                          <a:r>
+                            <a:rPr lang="en-US" dirty="0"/>
+                            <a:t>Drama</a:t>
+                          </a:r>
+                        </a:p>
+                      </a:txBody>
+                      <a:tcPr/>
+                    </a:tc>
+                    <a:tc>
+                      <a:txBody>
+                        <a:bodyPr/>
+                        <a:lstStyle/>
+                        <a:p>
+                          <a:r>
+                            <a:rPr lang="en-US" dirty="0"/>
+                            <a:t>20,000</a:t>
+                          </a:r>
+                        </a:p>
+                      </a:txBody>
+                      <a:tcPr/>
+                    </a:tc>
+                    <a:tc>
+                      <a:txBody>
+                        <a:bodyPr/>
+                        <a:lstStyle/>
+                        <a:p>
+                          <a:r>
+                            <a:rPr lang="en-US" dirty="0"/>
+                            <a:t>10,000</a:t>
+                          </a:r>
+                        </a:p>
+                      </a:txBody>
+                      <a:tcPr/>
+                    </a:tc>
+                    <a:tc>
+                      <a:txBody>
+                        <a:bodyPr/>
+                        <a:lstStyle/>
+                        <a:p>
+                          <a:endParaRPr lang="en-US"/>
+                        </a:p>
+                      </a:txBody>
+                      <a:tcPr>
+                        <a:blipFill>
+                          <a:blip r:embed="rId3"/>
+                          <a:stretch>
+                            <a:fillRect l="-182673" t="-235897" r="-990" b="-217949"/>
+                          </a:stretch>
+                        </a:blipFill>
+                      </a:tcPr>
+                    </a:tc>
+                    <a:extLst>
+                      <a:ext uri="{0D108BD9-81ED-4DB2-BD59-A6C34878D82A}">
+                        <a16:rowId xmlns:a16="http://schemas.microsoft.com/office/drawing/2014/main" val="2418290345"/>
+                      </a:ext>
+                    </a:extLst>
+                  </a:tr>
+                  <a:tr h="495808">
+                    <a:tc>
+                      <a:txBody>
+                        <a:bodyPr/>
+                        <a:lstStyle/>
+                        <a:p>
+                          <a:r>
+                            <a:rPr lang="en-US" dirty="0"/>
+                            <a:t>Action</a:t>
+                          </a:r>
+                        </a:p>
+                      </a:txBody>
+                      <a:tcPr/>
+                    </a:tc>
+                    <a:tc>
+                      <a:txBody>
+                        <a:bodyPr/>
+                        <a:lstStyle/>
+                        <a:p>
+                          <a:r>
+                            <a:rPr lang="en-US" dirty="0"/>
+                            <a:t>15,000</a:t>
+                          </a:r>
+                        </a:p>
+                      </a:txBody>
+                      <a:tcPr/>
+                    </a:tc>
+                    <a:tc>
+                      <a:txBody>
+                        <a:bodyPr/>
+                        <a:lstStyle/>
+                        <a:p>
+                          <a:r>
+                            <a:rPr lang="en-US" dirty="0"/>
+                            <a:t>5,000</a:t>
+                          </a:r>
+                        </a:p>
+                      </a:txBody>
+                      <a:tcPr/>
+                    </a:tc>
+                    <a:tc>
+                      <a:txBody>
+                        <a:bodyPr/>
+                        <a:lstStyle/>
+                        <a:p>
+                          <a:endParaRPr lang="en-US"/>
+                        </a:p>
+                      </a:txBody>
+                      <a:tcPr>
+                        <a:blipFill>
+                          <a:blip r:embed="rId3"/>
+                          <a:stretch>
+                            <a:fillRect l="-182673" t="-327500" r="-990" b="-112500"/>
+                          </a:stretch>
+                        </a:blipFill>
+                      </a:tcPr>
+                    </a:tc>
+                    <a:extLst>
+                      <a:ext uri="{0D108BD9-81ED-4DB2-BD59-A6C34878D82A}">
+                        <a16:rowId xmlns:a16="http://schemas.microsoft.com/office/drawing/2014/main" val="1834531644"/>
+                      </a:ext>
+                    </a:extLst>
+                  </a:tr>
+                  <a:tr h="495808">
+                    <a:tc>
+                      <a:txBody>
+                        <a:bodyPr/>
+                        <a:lstStyle/>
+                        <a:p>
+                          <a:r>
+                            <a:rPr lang="en-US" dirty="0"/>
+                            <a:t>Comedy</a:t>
+                          </a:r>
+                        </a:p>
+                      </a:txBody>
+                      <a:tcPr/>
+                    </a:tc>
+                    <a:tc>
+                      <a:txBody>
+                        <a:bodyPr/>
+                        <a:lstStyle/>
+                        <a:p>
+                          <a:r>
+                            <a:rPr lang="en-US" dirty="0"/>
+                            <a:t>5,000</a:t>
+                          </a:r>
+                        </a:p>
+                      </a:txBody>
+                      <a:tcPr/>
+                    </a:tc>
+                    <a:tc>
+                      <a:txBody>
+                        <a:bodyPr/>
+                        <a:lstStyle/>
+                        <a:p>
+                          <a:r>
+                            <a:rPr lang="en-US" dirty="0"/>
+                            <a:t>25,000</a:t>
+                          </a:r>
+                        </a:p>
+                      </a:txBody>
+                      <a:tcPr/>
+                    </a:tc>
+                    <a:tc>
+                      <a:txBody>
+                        <a:bodyPr/>
+                        <a:lstStyle/>
+                        <a:p>
+                          <a:endParaRPr lang="en-US"/>
+                        </a:p>
+                      </a:txBody>
+                      <a:tcPr>
+                        <a:blipFill>
+                          <a:blip r:embed="rId3"/>
+                          <a:stretch>
+                            <a:fillRect l="-182673" t="-438462" r="-990" b="-15385"/>
+                          </a:stretch>
+                        </a:blipFill>
+                      </a:tcPr>
+                    </a:tc>
+                    <a:extLst>
+                      <a:ext uri="{0D108BD9-81ED-4DB2-BD59-A6C34878D82A}">
+                        <a16:rowId xmlns:a16="http://schemas.microsoft.com/office/drawing/2014/main" val="1298327287"/>
+                      </a:ext>
+                    </a:extLst>
+                  </a:tr>
+                </a:tbl>
+              </a:graphicData>
+            </a:graphic>
+          </p:graphicFrame>
+        </mc:Fallback>
+      </mc:AlternateContent>
+      <mc:AlternateContent xmlns:mc="http://schemas.openxmlformats.org/markup-compatibility/2006">
+        <mc:Choice xmlns:a14="http://schemas.microsoft.com/office/drawing/2010/main" Requires="a14">
+          <p:sp>
+            <p:nvSpPr>
+              <p:cNvPr id="5" name="TextBox 4">
+                <a:extLst>
+                  <a:ext uri="{FF2B5EF4-FFF2-40B4-BE49-F238E27FC236}">
+                    <a16:creationId xmlns:a16="http://schemas.microsoft.com/office/drawing/2014/main" id="{5463F3EE-7DCA-285E-B7CC-1673A21398CE}"/>
+                  </a:ext>
+                </a:extLst>
+              </p:cNvPr>
+              <p:cNvSpPr txBox="1"/>
+              <p:nvPr/>
+            </p:nvSpPr>
+            <p:spPr>
+              <a:xfrm>
+                <a:off x="254876" y="683565"/>
+                <a:ext cx="7656069" cy="2031325"/>
+              </a:xfrm>
+              <a:prstGeom prst="rect">
+                <a:avLst/>
+              </a:prstGeom>
+              <a:noFill/>
+            </p:spPr>
+            <p:txBody>
+              <a:bodyPr wrap="square">
+                <a:spAutoFit/>
+              </a:bodyPr>
+              <a:lstStyle/>
+              <a:p>
+                <a:r>
+                  <a:rPr lang="en-US" sz="1400" b="1" dirty="0"/>
+                  <a:t>Query: </a:t>
+                </a:r>
+                <a:r>
+                  <a:rPr lang="en-US" sz="1400" dirty="0"/>
+                  <a:t>Return top-10 movies based on genres with ratings &gt; 6.5</a:t>
+                </a:r>
+              </a:p>
+              <a:p>
+                <a:endParaRPr lang="en-US" sz="1400" dirty="0"/>
+              </a:p>
+              <a:p>
+                <a:r>
+                  <a:rPr lang="en-US" sz="1400" b="1" dirty="0"/>
+                  <a:t>Process. </a:t>
+                </a:r>
+                <a:r>
+                  <a:rPr lang="en-US" sz="1400" dirty="0"/>
+                  <a:t>Assuming there are 3 genres (</a:t>
+                </a:r>
+                <a14:m>
+                  <m:oMath xmlns:m="http://schemas.openxmlformats.org/officeDocument/2006/math">
+                    <m:r>
+                      <a:rPr lang="en-US" sz="1400" i="1" dirty="0" smtClean="0">
+                        <a:latin typeface="Cambria Math" panose="02040503050406030204" pitchFamily="18" charset="0"/>
+                        <a:ea typeface="Cambria Math" panose="02040503050406030204" pitchFamily="18" charset="0"/>
+                      </a:rPr>
+                      <m:t>ℓ</m:t>
+                    </m:r>
+                  </m:oMath>
+                </a14:m>
+                <a:r>
+                  <a:rPr lang="en-US" sz="1400" dirty="0"/>
+                  <a:t> = 3) where </a:t>
+                </a:r>
+                <a:r>
+                  <a:rPr lang="en-US" sz="1400" u="sng" dirty="0"/>
+                  <a:t>10,000 out of 20,000 (50%)</a:t>
+                </a:r>
+                <a:r>
+                  <a:rPr lang="en-US" sz="1400" dirty="0"/>
+                  <a:t> drama movies, </a:t>
+                </a:r>
+                <a:r>
+                  <a:rPr lang="en-US" sz="1400" u="sng" dirty="0"/>
+                  <a:t>5,000 out of 15,000 (33%)</a:t>
+                </a:r>
+                <a:r>
+                  <a:rPr lang="en-US" sz="1400" dirty="0"/>
+                  <a:t> action movies, and </a:t>
+                </a:r>
+                <a:r>
+                  <a:rPr lang="en-US" sz="1400" u="sng" dirty="0"/>
+                  <a:t>5,000 out of 25,000 (20%)</a:t>
+                </a:r>
+                <a:r>
+                  <a:rPr lang="en-US" sz="1400" dirty="0"/>
+                  <a:t> comedies having ratings &gt; 6.5. The proportions are: </a:t>
+                </a:r>
+                <a14:m>
+                  <m:oMath xmlns:m="http://schemas.openxmlformats.org/officeDocument/2006/math">
+                    <m:sSub>
+                      <m:sSubPr>
+                        <m:ctrlPr>
+                          <a:rPr lang="ar-AE" i="1">
+                            <a:latin typeface="Cambria Math" panose="02040503050406030204" pitchFamily="18" charset="0"/>
+                          </a:rPr>
+                        </m:ctrlPr>
+                      </m:sSubPr>
+                      <m:e>
+                        <m:r>
+                          <a:rPr lang="ar-AE" i="1">
+                            <a:latin typeface="Cambria Math" panose="02040503050406030204" pitchFamily="18" charset="0"/>
+                          </a:rPr>
+                          <m:t>𝑎</m:t>
+                        </m:r>
+                      </m:e>
+                      <m:sub>
+                        <m:r>
+                          <a:rPr lang="ar-AE" i="1">
+                            <a:latin typeface="Cambria Math" panose="02040503050406030204" pitchFamily="18" charset="0"/>
+                          </a:rPr>
+                          <m:t>𝑑𝑟𝑎𝑚𝑎</m:t>
+                        </m:r>
+                      </m:sub>
+                    </m:sSub>
+                    <m:r>
+                      <a:rPr lang="ar-AE" i="1">
+                        <a:latin typeface="Cambria Math" panose="02040503050406030204" pitchFamily="18" charset="0"/>
+                      </a:rPr>
+                      <m:t>=5</m:t>
+                    </m:r>
+                  </m:oMath>
+                </a14:m>
+                <a:r>
+                  <a:rPr lang="ar-AE" dirty="0"/>
+                  <a:t>,  </a:t>
+                </a:r>
+                <a14:m>
+                  <m:oMath xmlns:m="http://schemas.openxmlformats.org/officeDocument/2006/math">
+                    <m:sSub>
+                      <m:sSubPr>
+                        <m:ctrlPr>
+                          <a:rPr lang="ar-AE" i="1">
+                            <a:latin typeface="Cambria Math" panose="02040503050406030204" pitchFamily="18" charset="0"/>
+                          </a:rPr>
+                        </m:ctrlPr>
+                      </m:sSubPr>
+                      <m:e>
+                        <m:r>
+                          <a:rPr lang="ar-AE" i="1">
+                            <a:latin typeface="Cambria Math" panose="02040503050406030204" pitchFamily="18" charset="0"/>
+                          </a:rPr>
+                          <m:t>𝑎</m:t>
+                        </m:r>
+                      </m:e>
+                      <m:sub>
+                        <m:r>
+                          <a:rPr lang="ar-AE" i="1">
+                            <a:latin typeface="Cambria Math" panose="02040503050406030204" pitchFamily="18" charset="0"/>
+                          </a:rPr>
+                          <m:t>𝑎𝑐𝑡𝑖𝑜𝑛</m:t>
+                        </m:r>
+                      </m:sub>
+                    </m:sSub>
+                    <m:r>
+                      <a:rPr lang="ar-AE" i="1">
+                        <a:latin typeface="Cambria Math" panose="02040503050406030204" pitchFamily="18" charset="0"/>
+                      </a:rPr>
+                      <m:t>=3</m:t>
+                    </m:r>
+                  </m:oMath>
+                </a14:m>
+                <a:r>
+                  <a:rPr lang="ar-AE" dirty="0"/>
+                  <a:t>,  </a:t>
+                </a:r>
+                <a14:m>
+                  <m:oMath xmlns:m="http://schemas.openxmlformats.org/officeDocument/2006/math">
+                    <m:sSub>
+                      <m:sSubPr>
+                        <m:ctrlPr>
+                          <a:rPr lang="ar-AE" i="1">
+                            <a:latin typeface="Cambria Math" panose="02040503050406030204" pitchFamily="18" charset="0"/>
+                          </a:rPr>
+                        </m:ctrlPr>
+                      </m:sSubPr>
+                      <m:e>
+                        <m:r>
+                          <a:rPr lang="ar-AE" i="1">
+                            <a:latin typeface="Cambria Math" panose="02040503050406030204" pitchFamily="18" charset="0"/>
+                          </a:rPr>
+                          <m:t>𝑎</m:t>
+                        </m:r>
+                      </m:e>
+                      <m:sub>
+                        <m:r>
+                          <a:rPr lang="ar-AE" i="1">
+                            <a:latin typeface="Cambria Math" panose="02040503050406030204" pitchFamily="18" charset="0"/>
+                          </a:rPr>
+                          <m:t>𝑐𝑜𝑚𝑒𝑑𝑦</m:t>
+                        </m:r>
+                      </m:sub>
+                    </m:sSub>
+                    <m:r>
+                      <a:rPr lang="ar-AE" i="1">
+                        <a:latin typeface="Cambria Math" panose="02040503050406030204" pitchFamily="18" charset="0"/>
+                      </a:rPr>
+                      <m:t>=</m:t>
+                    </m:r>
+                    <m:r>
+                      <a:rPr lang="ar-AE" i="1">
+                        <a:latin typeface="Cambria Math" panose="02040503050406030204" pitchFamily="18" charset="0"/>
+                      </a:rPr>
+                      <m:t>2</m:t>
+                    </m:r>
+                  </m:oMath>
+                </a14:m>
+                <a:r>
+                  <a:rPr lang="ar-AE" dirty="0"/>
+                  <a:t>. </a:t>
+                </a:r>
+                <a:endParaRPr lang="en-US" sz="1400" dirty="0"/>
+              </a:p>
+              <a:p>
+                <a:endParaRPr lang="ar-AE" sz="1400" dirty="0"/>
+              </a:p>
+              <a:p>
+                <a:endParaRPr lang="ar-AE" sz="1400" dirty="0"/>
+              </a:p>
+              <a:p>
+                <a:r>
+                  <a:rPr lang="en-US" sz="1400" dirty="0"/>
+                  <a:t>Proportional diversity requires that the returned results satisfy these proportions, i.e., </a:t>
+                </a:r>
+              </a:p>
+              <a:p>
+                <a:r>
+                  <a:rPr lang="en-US" sz="1400" dirty="0"/>
+                  <a:t>5 dramas, 3 actions, and 2 comedies for 10 movies listed</a:t>
+                </a:r>
+              </a:p>
+            </p:txBody>
+          </p:sp>
+        </mc:Choice>
+        <mc:Fallback>
+          <p:sp>
+            <p:nvSpPr>
+              <p:cNvPr id="5" name="TextBox 4">
+                <a:extLst>
+                  <a:ext uri="{FF2B5EF4-FFF2-40B4-BE49-F238E27FC236}">
+                    <a16:creationId xmlns:a16="http://schemas.microsoft.com/office/drawing/2014/main" id="{5463F3EE-7DCA-285E-B7CC-1673A21398CE}"/>
+                  </a:ext>
+                </a:extLst>
+              </p:cNvPr>
+              <p:cNvSpPr txBox="1">
+                <a:spLocks noRot="1" noChangeAspect="1" noMove="1" noResize="1" noEditPoints="1" noAdjustHandles="1" noChangeArrowheads="1" noChangeShapeType="1" noTextEdit="1"/>
+              </p:cNvSpPr>
+              <p:nvPr/>
+            </p:nvSpPr>
+            <p:spPr>
+              <a:xfrm>
+                <a:off x="254876" y="683565"/>
+                <a:ext cx="7656069" cy="2031325"/>
+              </a:xfrm>
+              <a:prstGeom prst="rect">
+                <a:avLst/>
+              </a:prstGeom>
+              <a:blipFill>
+                <a:blip r:embed="rId4"/>
+                <a:stretch>
+                  <a:fillRect l="-331" t="-621" b="-3106"/>
+                </a:stretch>
+              </a:blipFill>
+            </p:spPr>
+            <p:txBody>
+              <a:bodyPr/>
+              <a:lstStyle/>
+              <a:p>
+                <a:r>
+                  <a:rPr lang="en-US">
+                    <a:noFill/>
+                  </a:rPr>
+                  <a:t> </a:t>
+                </a:r>
+              </a:p>
+            </p:txBody>
+          </p:sp>
+        </mc:Fallback>
+      </mc:AlternateContent>
+      <p:sp>
+        <p:nvSpPr>
+          <p:cNvPr id="6" name="Google Shape;74;p6">
+            <a:extLst>
+              <a:ext uri="{FF2B5EF4-FFF2-40B4-BE49-F238E27FC236}">
+                <a16:creationId xmlns:a16="http://schemas.microsoft.com/office/drawing/2014/main" id="{6764520D-377D-97C7-8A95-E252052B8703}"/>
+              </a:ext>
+            </a:extLst>
+          </p:cNvPr>
+          <p:cNvSpPr txBox="1"/>
+          <p:nvPr/>
+        </p:nvSpPr>
+        <p:spPr>
+          <a:xfrm>
+            <a:off x="651642" y="-11028"/>
+            <a:ext cx="10989044" cy="523200"/>
+          </a:xfrm>
+          <a:prstGeom prst="rect">
+            <a:avLst/>
+          </a:prstGeom>
+          <a:noFill/>
+          <a:ln>
+            <a:noFill/>
+          </a:ln>
+        </p:spPr>
+        <p:txBody>
+          <a:bodyPr spcFirstLastPara="1" wrap="square" lIns="91425" tIns="45700" rIns="91425" bIns="45700" anchor="t" anchorCtr="0">
+            <a:spAutoFit/>
+          </a:bodyPr>
+          <a:lstStyle/>
+          <a:p>
+            <a:pPr lvl="1">
+              <a:buSzPts val="2800"/>
+            </a:pPr>
+            <a:r>
+              <a:rPr lang="en-US" sz="2800" b="1" dirty="0"/>
+              <a:t>Example – Proportionally Diversified Top-k</a:t>
+            </a:r>
+            <a:endParaRPr sz="2800" dirty="0"/>
+          </a:p>
+        </p:txBody>
+      </p:sp>
+      <p:pic>
+        <p:nvPicPr>
+          <p:cNvPr id="7" name="Google Shape;73;p6" descr="A picture containing text, clipart&#10;&#10;Description automatically generated">
+            <a:extLst>
+              <a:ext uri="{FF2B5EF4-FFF2-40B4-BE49-F238E27FC236}">
+                <a16:creationId xmlns:a16="http://schemas.microsoft.com/office/drawing/2014/main" id="{B0CFE122-54AB-A78A-CFCF-D8D175286EE8}"/>
+              </a:ext>
+            </a:extLst>
+          </p:cNvPr>
+          <p:cNvPicPr preferRelativeResize="0"/>
+          <p:nvPr/>
+        </p:nvPicPr>
+        <p:blipFill rotWithShape="1">
+          <a:blip r:embed="rId5">
+            <a:alphaModFix/>
+          </a:blip>
+          <a:srcRect/>
+          <a:stretch/>
+        </p:blipFill>
+        <p:spPr>
+          <a:xfrm>
+            <a:off x="5257800" y="6172201"/>
+            <a:ext cx="2133600" cy="658633"/>
+          </a:xfrm>
+          <a:prstGeom prst="rect">
+            <a:avLst/>
+          </a:prstGeom>
+          <a:noFill/>
+          <a:ln>
+            <a:noFill/>
+          </a:ln>
+        </p:spPr>
+      </p:pic>
+      <p:pic>
+        <p:nvPicPr>
+          <p:cNvPr id="8" name="Picture 7">
+            <a:extLst>
+              <a:ext uri="{FF2B5EF4-FFF2-40B4-BE49-F238E27FC236}">
+                <a16:creationId xmlns:a16="http://schemas.microsoft.com/office/drawing/2014/main" id="{6832B9C4-01BF-0172-261B-BA0723183744}"/>
+              </a:ext>
+            </a:extLst>
+          </p:cNvPr>
+          <p:cNvPicPr>
+            <a:picLocks noChangeAspect="1"/>
+          </p:cNvPicPr>
+          <p:nvPr/>
+        </p:nvPicPr>
+        <p:blipFill>
+          <a:blip r:embed="rId6"/>
+          <a:stretch>
+            <a:fillRect/>
+          </a:stretch>
+        </p:blipFill>
+        <p:spPr>
+          <a:xfrm>
+            <a:off x="7536874" y="516864"/>
+            <a:ext cx="4237972" cy="4248641"/>
+          </a:xfrm>
+          <a:prstGeom prst="rect">
+            <a:avLst/>
+          </a:prstGeom>
+          <a:ln>
+            <a:solidFill>
+              <a:schemeClr val="tx1"/>
+            </a:solidFill>
+          </a:ln>
+        </p:spPr>
+      </p:pic>
+      <p:sp>
+        <p:nvSpPr>
+          <p:cNvPr id="9" name="TextBox 8">
+            <a:extLst>
+              <a:ext uri="{FF2B5EF4-FFF2-40B4-BE49-F238E27FC236}">
+                <a16:creationId xmlns:a16="http://schemas.microsoft.com/office/drawing/2014/main" id="{C19D2E38-33BE-C0CE-AAAA-99CA2B7BC42B}"/>
+              </a:ext>
+            </a:extLst>
+          </p:cNvPr>
+          <p:cNvSpPr txBox="1"/>
+          <p:nvPr/>
+        </p:nvSpPr>
+        <p:spPr>
+          <a:xfrm>
+            <a:off x="7467601" y="5005340"/>
+            <a:ext cx="10566660" cy="738664"/>
+          </a:xfrm>
+          <a:prstGeom prst="rect">
+            <a:avLst/>
+          </a:prstGeom>
+          <a:noFill/>
+        </p:spPr>
+        <p:txBody>
+          <a:bodyPr wrap="square" rtlCol="0">
+            <a:spAutoFit/>
+          </a:bodyPr>
+          <a:lstStyle/>
+          <a:p>
+            <a:r>
+              <a:rPr lang="en-US" sz="1400" b="1" dirty="0">
+                <a:solidFill>
+                  <a:schemeClr val="accent2">
+                    <a:lumMod val="75000"/>
+                  </a:schemeClr>
+                </a:solidFill>
+              </a:rPr>
+              <a:t>Proportional diversification increases the likelihood of </a:t>
+            </a:r>
+          </a:p>
+          <a:p>
+            <a:r>
+              <a:rPr lang="en-US" sz="1400" b="1" dirty="0">
+                <a:solidFill>
+                  <a:schemeClr val="accent2">
+                    <a:lumMod val="75000"/>
+                  </a:schemeClr>
+                </a:solidFill>
+              </a:rPr>
+              <a:t>seeing niche  items in Top-k result set </a:t>
+            </a:r>
+          </a:p>
+          <a:p>
+            <a:endParaRPr lang="en-US" dirty="0"/>
+          </a:p>
+        </p:txBody>
+      </p:sp>
+    </p:spTree>
+    <p:extLst>
+      <p:ext uri="{BB962C8B-B14F-4D97-AF65-F5344CB8AC3E}">
+        <p14:creationId xmlns:p14="http://schemas.microsoft.com/office/powerpoint/2010/main" val="225005813"/>
+      </p:ext>
+    </p:extLst>
+  </p:cSld>
+  <p:clrMapOvr>
+    <a:masterClrMapping/>
+  </p:clrMapOvr>
+  <p:timing>
+    <p:tnLst>
+      <p:par>
+        <p:cTn id="1" dur="indefinite" restart="never" nodeType="tmRoot">
+          <p:childTnLst>
+            <p:seq concurrent="1" nextAc="seek">
+              <p:cTn id="2" dur="indefinite" nodeType="mainSeq">
+                <p:childTnLst>
+                  <p:par>
+                    <p:cTn id="3" fill="hold">
+                      <p:stCondLst>
+                        <p:cond delay="indefinite"/>
+                        <p:cond evt="onBegin" delay="0">
+                          <p:tn val="2"/>
+                        </p:cond>
+                      </p:stCondLst>
+                      <p:childTnLst>
+                        <p:par>
+                          <p:cTn id="4" fill="hold">
+                            <p:stCondLst>
+                              <p:cond delay="0"/>
+                            </p:stCondLst>
+                            <p:childTnLst>
+                              <p:par>
+                                <p:cTn id="5" presetID="1" presetClass="entr" presetSubtype="0" fill="hold" nodeType="withEffect">
+                                  <p:stCondLst>
+                                    <p:cond delay="0"/>
+                                  </p:stCondLst>
+                                  <p:childTnLst>
+                                    <p:set>
+                                      <p:cBhvr>
+                                        <p:cTn id="6" dur="1" fill="hold">
+                                          <p:stCondLst>
+                                            <p:cond delay="0"/>
+                                          </p:stCondLst>
+                                        </p:cTn>
+                                        <p:tgtEl>
+                                          <p:spTgt spid="8"/>
+                                        </p:tgtEl>
+                                        <p:attrNameLst>
+                                          <p:attrName>style.visibility</p:attrName>
+                                        </p:attrNameLst>
+                                      </p:cBhvr>
+                                      <p:to>
+                                        <p:strVal val="visible"/>
+                                      </p:to>
+                                    </p:set>
+                                  </p:childTnLst>
+                                </p:cTn>
+                              </p:par>
+                            </p:childTnLst>
+                          </p:cTn>
+                        </p:par>
+                      </p:childTnLst>
+                    </p:cTn>
+                  </p:par>
+                  <p:par>
+                    <p:cTn id="7" fill="hold">
+                      <p:stCondLst>
+                        <p:cond delay="indefinite"/>
+                      </p:stCondLst>
+                      <p:childTnLst>
+                        <p:par>
+                          <p:cTn id="8" fill="hold">
+                            <p:stCondLst>
+                              <p:cond delay="0"/>
+                            </p:stCondLst>
+                            <p:childTnLst>
+                              <p:par>
+                                <p:cTn id="9" presetID="1" presetClass="entr" presetSubtype="0" fill="hold" grpId="0" nodeType="clickEffect">
+                                  <p:stCondLst>
+                                    <p:cond delay="0"/>
+                                  </p:stCondLst>
+                                  <p:childTnLst>
+                                    <p:set>
+                                      <p:cBhvr>
+                                        <p:cTn id="10" dur="1" fill="hold">
+                                          <p:stCondLst>
+                                            <p:cond delay="0"/>
+                                          </p:stCondLst>
+                                        </p:cTn>
+                                        <p:tgtEl>
+                                          <p:spTgt spid="9"/>
+                                        </p:tgtEl>
+                                        <p:attrNameLst>
+                                          <p:attrName>style.visibility</p:attrName>
+                                        </p:attrNameLst>
+                                      </p:cBhvr>
+                                      <p:to>
+                                        <p:strVal val="visible"/>
+                                      </p:to>
+                                    </p:set>
+                                  </p:childTnLst>
+                                </p:cTn>
+                              </p:par>
+                            </p:childTnLst>
+                          </p:cTn>
+                        </p:par>
+                      </p:childTnLst>
+                    </p:cTn>
+                  </p:par>
+                </p:childTnLst>
+              </p:cTn>
+              <p:prevCondLst>
+                <p:cond evt="onPrev" delay="0">
+                  <p:tgtEl>
+                    <p:sldTgt/>
+                  </p:tgtEl>
+                </p:cond>
+              </p:prevCondLst>
+              <p:nextCondLst>
+                <p:cond evt="onNext" delay="0">
+                  <p:tgtEl>
+                    <p:sldTgt/>
+                  </p:tgtEl>
+                </p:cond>
+              </p:nextCondLst>
+            </p:seq>
+          </p:childTnLst>
+        </p:cTn>
+      </p:par>
+    </p:tnLst>
+    <p:bldLst>
+      <p:bldP spid="9" grpId="0"/>
+    </p:bldLst>
+  </p:timing>
+</p:sld>
+</file>
+
+<file path=ppt/slides/slide7.xml><?xml version="1.0" encoding="utf-8"?>
 <p:sld xmlns:a="http://schemas.openxmlformats.org/drawingml/2006/main" xmlns:r="http://schemas.openxmlformats.org/officeDocument/2006/relationships" xmlns:p="http://schemas.openxmlformats.org/presentationml/2006/main">
   <p:cSld>
     <p:spTree>
@@ -15598,7 +17359,7 @@
             <a:fld id="{00000000-1234-1234-1234-123412341234}" type="slidenum">
               <a:rPr lang="en-US"/>
               <a:pPr/>
-              <a:t>6</a:t>
+              <a:t>7</a:t>
             </a:fld>
             <a:endParaRPr/>
           </a:p>
@@ -15654,8 +17415,8 @@
         </p:nvSpPr>
         <p:spPr>
           <a:xfrm>
-            <a:off x="807026" y="4956200"/>
-            <a:ext cx="10722821" cy="1169551"/>
+            <a:off x="377535" y="5266873"/>
+            <a:ext cx="10722821" cy="830997"/>
           </a:xfrm>
           <a:prstGeom prst="rect">
             <a:avLst/>
@@ -15672,7 +17433,7 @@
               <a:buAutoNum type="arabicPeriod"/>
             </a:pPr>
             <a:r>
-              <a:rPr lang="en-US" dirty="0">
+              <a:rPr lang="en-US" sz="1200" dirty="0">
                 <a:effectLst/>
                 <a:latin typeface="Arial" panose="020B0604020202020204" pitchFamily="34" charset="0"/>
               </a:rPr>
@@ -15684,21 +17445,21 @@
               <a:buAutoNum type="arabicPeriod"/>
             </a:pPr>
             <a:r>
-              <a:rPr lang="en-US" dirty="0">
+              <a:rPr lang="en-US" sz="1200" dirty="0">
                 <a:effectLst/>
                 <a:latin typeface="Arial" panose="020B0604020202020204" pitchFamily="34" charset="0"/>
               </a:rPr>
               <a:t>G. Katsogiannis-Meimarakis, G. Koutrika, A survey on deep learning approaches for text-to-</a:t>
             </a:r>
             <a:r>
-              <a:rPr lang="en-US" dirty="0" err="1">
+              <a:rPr lang="en-US" sz="1200" dirty="0" err="1">
                 <a:effectLst/>
                 <a:latin typeface="Arial" panose="020B0604020202020204" pitchFamily="34" charset="0"/>
               </a:rPr>
               <a:t>sql</a:t>
             </a:r>
             <a:r>
-              <a:rPr lang="en-US" dirty="0">
+              <a:rPr lang="en-US" sz="1200" dirty="0">
                 <a:effectLst/>
                 <a:latin typeface="Arial" panose="020B0604020202020204" pitchFamily="34" charset="0"/>
               </a:rPr>
@@ -15710,27 +17471,27 @@
               <a:buAutoNum type="arabicPeriod"/>
             </a:pPr>
             <a:r>
-              <a:rPr lang="en-US" dirty="0">
+              <a:rPr lang="en-US" sz="1200" dirty="0">
                 <a:effectLst/>
                 <a:latin typeface="Arial" panose="020B0604020202020204" pitchFamily="34" charset="0"/>
               </a:rPr>
               <a:t>G. Katsogiannis-Meimarakis, G. Koutrika, A deep dive into deep learning approaches for text-to-</a:t>
             </a:r>
             <a:r>
-              <a:rPr lang="en-US" dirty="0" err="1">
+              <a:rPr lang="en-US" sz="1200" dirty="0" err="1">
                 <a:effectLst/>
                 <a:latin typeface="Arial" panose="020B0604020202020204" pitchFamily="34" charset="0"/>
               </a:rPr>
               <a:t>sql</a:t>
             </a:r>
             <a:r>
-              <a:rPr lang="en-US" dirty="0">
+              <a:rPr lang="en-US" sz="1200" dirty="0">
                 <a:effectLst/>
                 <a:latin typeface="Arial" panose="020B0604020202020204" pitchFamily="34" charset="0"/>
               </a:rPr>
               <a:t> systems, in: Proceedings of the 2021 International Conference on Management of Data, 2021, pp. 2846–2851</a:t>
             </a:r>
-            <a:endParaRPr lang="en-US" dirty="0"/>
+            <a:endParaRPr lang="en-US" sz="1200" dirty="0"/>
           </a:p>
         </p:txBody>
       </p:sp>
@@ -15878,7 +17639,7 @@
 </p:sld>
 </file>
 
-<file path=ppt/slides/slide7.xml><?xml version="1.0" encoding="utf-8"?>
+<file path=ppt/slides/slide8.xml><?xml version="1.0" encoding="utf-8"?>
 <p:sld xmlns:a="http://schemas.openxmlformats.org/drawingml/2006/main" xmlns:r="http://schemas.openxmlformats.org/officeDocument/2006/relationships" xmlns:p="http://schemas.openxmlformats.org/presentationml/2006/main">
   <p:cSld>
     <p:spTree>
@@ -15954,7 +17715,7 @@
             <a:fld id="{00000000-1234-1234-1234-123412341234}" type="slidenum">
               <a:rPr lang="en-US"/>
               <a:pPr/>
-              <a:t>7</a:t>
+              <a:t>8</a:t>
             </a:fld>
             <a:endParaRPr/>
           </a:p>
@@ -29617,7 +31378,7 @@
 </p:sld>
 </file>
 
-<file path=ppt/slides/slide8.xml><?xml version="1.0" encoding="utf-8"?>
+<file path=ppt/slides/slide9.xml><?xml version="1.0" encoding="utf-8"?>
 <p:sld xmlns:a="http://schemas.openxmlformats.org/drawingml/2006/main" xmlns:r="http://schemas.openxmlformats.org/officeDocument/2006/relationships" xmlns:p="http://schemas.openxmlformats.org/presentationml/2006/main">
   <p:cSld>
     <p:spTree>
@@ -29729,7 +31490,7 @@
             <a:fld id="{00000000-1234-1234-1234-123412341234}" type="slidenum">
               <a:rPr lang="en-US"/>
               <a:pPr/>
-              <a:t>8</a:t>
+              <a:t>9</a:t>
             </a:fld>
             <a:endParaRPr/>
           </a:p>
@@ -30277,287 +32038,6 @@
       </p:par>
     </p:tnLst>
   </p:timing>
-</p:sld>
-</file>
-
-<file path=ppt/slides/slide9.xml><?xml version="1.0" encoding="utf-8"?>
-<p:sld xmlns:a="http://schemas.openxmlformats.org/drawingml/2006/main" xmlns:r="http://schemas.openxmlformats.org/officeDocument/2006/relationships" xmlns:p="http://schemas.openxmlformats.org/presentationml/2006/main">
-  <p:cSld>
-    <p:spTree>
-      <p:nvGrpSpPr>
-        <p:cNvPr id="1" name="Shape 72"/>
-        <p:cNvGrpSpPr/>
-        <p:nvPr/>
-      </p:nvGrpSpPr>
-      <p:grpSpPr>
-        <a:xfrm>
-          <a:off x="0" y="0"/>
-          <a:ext cx="0" cy="0"/>
-          <a:chOff x="0" y="0"/>
-          <a:chExt cx="0" cy="0"/>
-        </a:xfrm>
-      </p:grpSpPr>
-      <p:pic>
-        <p:nvPicPr>
-          <p:cNvPr id="73" name="Google Shape;73;p6" descr="A picture containing text, clipart&#10;&#10;Description automatically generated"/>
-          <p:cNvPicPr preferRelativeResize="0"/>
-          <p:nvPr/>
-        </p:nvPicPr>
-        <p:blipFill rotWithShape="1">
-          <a:blip r:embed="rId3">
-            <a:alphaModFix/>
-          </a:blip>
-          <a:srcRect/>
-          <a:stretch/>
-        </p:blipFill>
-        <p:spPr>
-          <a:xfrm>
-            <a:off x="5257800" y="6172201"/>
-            <a:ext cx="2133600" cy="658633"/>
-          </a:xfrm>
-          <a:prstGeom prst="rect">
-            <a:avLst/>
-          </a:prstGeom>
-          <a:noFill/>
-          <a:ln>
-            <a:noFill/>
-          </a:ln>
-        </p:spPr>
-      </p:pic>
-      <p:sp>
-        <p:nvSpPr>
-          <p:cNvPr id="74" name="Google Shape;74;p6"/>
-          <p:cNvSpPr txBox="1"/>
-          <p:nvPr/>
-        </p:nvSpPr>
-        <p:spPr>
-          <a:xfrm>
-            <a:off x="651641" y="0"/>
-            <a:ext cx="10878207" cy="523180"/>
-          </a:xfrm>
-          <a:prstGeom prst="rect">
-            <a:avLst/>
-          </a:prstGeom>
-          <a:noFill/>
-          <a:ln>
-            <a:noFill/>
-          </a:ln>
-        </p:spPr>
-        <p:txBody>
-          <a:bodyPr spcFirstLastPara="1" wrap="square" lIns="91425" tIns="45700" rIns="91425" bIns="45700" anchor="t" anchorCtr="0">
-            <a:spAutoFit/>
-          </a:bodyPr>
-          <a:lstStyle/>
-          <a:p>
-            <a:pPr lvl="1">
-              <a:buSzPts val="2800"/>
-            </a:pPr>
-            <a:r>
-              <a:rPr lang="en-US" sz="2800" b="1" dirty="0"/>
-              <a:t>Case Study – Results</a:t>
-            </a:r>
-            <a:endParaRPr sz="2800" dirty="0"/>
-          </a:p>
-        </p:txBody>
-      </p:sp>
-      <p:sp>
-        <p:nvSpPr>
-          <p:cNvPr id="76" name="Google Shape;76;p6"/>
-          <p:cNvSpPr txBox="1">
-            <a:spLocks noGrp="1"/>
-          </p:cNvSpPr>
-          <p:nvPr>
-            <p:ph type="sldNum" idx="12"/>
-          </p:nvPr>
-        </p:nvSpPr>
-        <p:spPr>
-          <a:xfrm>
-            <a:off x="10080784" y="6333134"/>
-            <a:ext cx="548700" cy="525000"/>
-          </a:xfrm>
-          <a:prstGeom prst="rect">
-            <a:avLst/>
-          </a:prstGeom>
-          <a:noFill/>
-          <a:ln>
-            <a:noFill/>
-          </a:ln>
-        </p:spPr>
-        <p:txBody>
-          <a:bodyPr spcFirstLastPara="1" wrap="square" lIns="91425" tIns="91425" rIns="91425" bIns="91425" anchor="t" anchorCtr="0">
-            <a:noAutofit/>
-          </a:bodyPr>
-          <a:lstStyle/>
-          <a:p>
-            <a:fld id="{00000000-1234-1234-1234-123412341234}" type="slidenum">
-              <a:rPr lang="en-US"/>
-              <a:pPr/>
-              <a:t>9</a:t>
-            </a:fld>
-            <a:endParaRPr/>
-          </a:p>
-        </p:txBody>
-      </p:sp>
-      <p:cxnSp>
-        <p:nvCxnSpPr>
-          <p:cNvPr id="2" name="Google Shape;75;p6">
-            <a:extLst>
-              <a:ext uri="{FF2B5EF4-FFF2-40B4-BE49-F238E27FC236}">
-                <a16:creationId xmlns:a16="http://schemas.microsoft.com/office/drawing/2014/main" id="{9EBE9A99-5EC7-D1BF-65CE-C8B29782E210}"/>
-              </a:ext>
-            </a:extLst>
-          </p:cNvPr>
-          <p:cNvCxnSpPr>
-            <a:cxnSpLocks/>
-          </p:cNvCxnSpPr>
-          <p:nvPr/>
-        </p:nvCxnSpPr>
-        <p:spPr>
-          <a:xfrm>
-            <a:off x="651641" y="523200"/>
-            <a:ext cx="10878207" cy="0"/>
-          </a:xfrm>
-          <a:prstGeom prst="straightConnector1">
-            <a:avLst/>
-          </a:prstGeom>
-          <a:solidFill>
-            <a:schemeClr val="accent1"/>
-          </a:solidFill>
-          <a:ln w="9525" cap="flat" cmpd="sng">
-            <a:solidFill>
-              <a:srgbClr val="C00000"/>
-            </a:solidFill>
-            <a:prstDash val="solid"/>
-            <a:round/>
-            <a:headEnd type="none" w="sm" len="sm"/>
-            <a:tailEnd type="none" w="sm" len="sm"/>
-          </a:ln>
-        </p:spPr>
-      </p:cxnSp>
-      <p:pic>
-        <p:nvPicPr>
-          <p:cNvPr id="5" name="Picture 4">
-            <a:extLst>
-              <a:ext uri="{FF2B5EF4-FFF2-40B4-BE49-F238E27FC236}">
-                <a16:creationId xmlns:a16="http://schemas.microsoft.com/office/drawing/2014/main" id="{EDD7CD5D-D3D2-C918-7E00-7600CDF6D2FF}"/>
-              </a:ext>
-            </a:extLst>
-          </p:cNvPr>
-          <p:cNvPicPr>
-            <a:picLocks noChangeAspect="1"/>
-          </p:cNvPicPr>
-          <p:nvPr/>
-        </p:nvPicPr>
-        <p:blipFill>
-          <a:blip r:embed="rId4"/>
-          <a:stretch>
-            <a:fillRect/>
-          </a:stretch>
-        </p:blipFill>
-        <p:spPr>
-          <a:xfrm>
-            <a:off x="6883049" y="0"/>
-            <a:ext cx="5355251" cy="6858000"/>
-          </a:xfrm>
-          <a:prstGeom prst="rect">
-            <a:avLst/>
-          </a:prstGeom>
-        </p:spPr>
-      </p:pic>
-      <p:sp>
-        <p:nvSpPr>
-          <p:cNvPr id="6" name="Google Shape;77;p6">
-            <a:extLst>
-              <a:ext uri="{FF2B5EF4-FFF2-40B4-BE49-F238E27FC236}">
-                <a16:creationId xmlns:a16="http://schemas.microsoft.com/office/drawing/2014/main" id="{51277447-24A6-AF9F-0B7B-03BEFE0A2D49}"/>
-              </a:ext>
-            </a:extLst>
-          </p:cNvPr>
-          <p:cNvSpPr txBox="1"/>
-          <p:nvPr/>
-        </p:nvSpPr>
-        <p:spPr>
-          <a:xfrm>
-            <a:off x="651641" y="680600"/>
-            <a:ext cx="6084825" cy="3570178"/>
-          </a:xfrm>
-          <a:prstGeom prst="rect">
-            <a:avLst/>
-          </a:prstGeom>
-          <a:noFill/>
-          <a:ln>
-            <a:noFill/>
-          </a:ln>
-        </p:spPr>
-        <p:txBody>
-          <a:bodyPr spcFirstLastPara="1" wrap="square" lIns="91425" tIns="91425" rIns="91425" bIns="91425" anchor="t" anchorCtr="0">
-            <a:spAutoFit/>
-          </a:bodyPr>
-          <a:lstStyle/>
-          <a:p>
-            <a:pPr marL="342900" indent="-342900">
-              <a:buFont typeface="Arial" panose="020B0604020202020204" pitchFamily="34" charset="0"/>
-              <a:buChar char="•"/>
-            </a:pPr>
-            <a:r>
-              <a:rPr lang="en-US" sz="2000" dirty="0"/>
-              <a:t>With summarized prompts, GPT can produce proportionally diverse answers</a:t>
-            </a:r>
-          </a:p>
-          <a:p>
-            <a:endParaRPr lang="en-US" sz="2000" dirty="0"/>
-          </a:p>
-          <a:p>
-            <a:pPr marL="342900" indent="-342900">
-              <a:buFont typeface="Arial" panose="020B0604020202020204" pitchFamily="34" charset="0"/>
-              <a:buChar char="•"/>
-            </a:pPr>
-            <a:r>
-              <a:rPr lang="en-US" sz="2000" dirty="0"/>
-              <a:t>The ratios between groups of an attribute (e.g., language) are conforming with the proportions of those groups in the external data sources</a:t>
-            </a:r>
-          </a:p>
-          <a:p>
-            <a:endParaRPr lang="en-US" sz="2000" dirty="0"/>
-          </a:p>
-          <a:p>
-            <a:pPr marL="342900" indent="-342900">
-              <a:buFont typeface="Arial" panose="020B0604020202020204" pitchFamily="34" charset="0"/>
-              <a:buChar char="•"/>
-            </a:pPr>
-            <a:r>
-              <a:rPr lang="en-US" sz="2000" dirty="0"/>
-              <a:t>Without these prompts, GPT tends to return answers skewed towards some attributes.</a:t>
-            </a:r>
-          </a:p>
-          <a:p>
-            <a:pPr marL="349250"/>
-            <a:r>
-              <a:rPr lang="en-US" sz="2000" dirty="0"/>
-              <a:t>For example, GPT returns 9 comedy and 1 documentary to the 4</a:t>
-            </a:r>
-            <a:r>
-              <a:rPr lang="en-US" sz="2000" baseline="30000" dirty="0"/>
-              <a:t>th</a:t>
-            </a:r>
-            <a:r>
-              <a:rPr lang="en-US" sz="2000" dirty="0"/>
-              <a:t> query</a:t>
-            </a:r>
-            <a:endParaRPr sz="2000" dirty="0"/>
-          </a:p>
-        </p:txBody>
-      </p:sp>
-    </p:spTree>
-    <p:extLst>
-      <p:ext uri="{BB962C8B-B14F-4D97-AF65-F5344CB8AC3E}">
-        <p14:creationId xmlns:p14="http://schemas.microsoft.com/office/powerpoint/2010/main" val="719108861"/>
-      </p:ext>
-    </p:extLst>
-  </p:cSld>
-  <p:clrMapOvr>
-    <a:masterClrMapping/>
-  </p:clrMapOvr>
 </p:sld>
 </file>
 
